--- a/Submission3/Slide.pptx
+++ b/Submission3/Slide.pptx
@@ -11736,7 +11736,7 @@
             <a:tbl>
               <a:tblPr bandRow="1" firstRow="1">
                 <a:noFill/>
-                <a:tableStyleId>{50621139-8B0A-41BC-90D1-C7D3FE387257}</a:tableStyleId>
+                <a:tableStyleId>{D39432A5-6D35-4AF6-8ADB-6AC0C5DB4444}</a:tableStyleId>
               </a:tblPr>
               <a:tblGrid>
                 <a:gridCol w="2890475"/>
@@ -11795,6 +11795,10 @@
                         <a:spcAft>
                           <a:spcPts val="0"/>
                         </a:spcAft>
+                        <a:buClr>
+                          <a:srgbClr val="000000"/>
+                        </a:buClr>
+                        <a:buFont typeface="Arial"/>
                         <a:buNone/>
                       </a:pPr>
                       <a:r>
@@ -12589,8 +12593,7 @@
               <a:buNone/>
             </a:pPr>
             <a:r>
-              <a:rPr lang="en-US" sz="1200"/>
-              <a:t>Be sure to like and subscribe!!</a:t>
+              <a:t/>
             </a:r>
             <a:endParaRPr sz="1200"/>
           </a:p>
@@ -14302,6 +14305,285 @@
 </file>
 
 <file path=ppt/theme/theme1.xml><?xml version="1.0" encoding="utf-8"?>
+<a:theme xmlns:a="http://schemas.openxmlformats.org/drawingml/2006/main" xmlns:r="http://schemas.openxmlformats.org/officeDocument/2006/relationships">
+  <a:themeElements>
+    <a:clrScheme name="Default">
+      <a:dk1>
+        <a:srgbClr val="000000"/>
+      </a:dk1>
+      <a:lt1>
+        <a:srgbClr val="FFFFFF"/>
+      </a:lt1>
+      <a:dk2>
+        <a:srgbClr val="158158"/>
+      </a:dk2>
+      <a:lt2>
+        <a:srgbClr val="F3F3F3"/>
+      </a:lt2>
+      <a:accent1>
+        <a:srgbClr val="058DC7"/>
+      </a:accent1>
+      <a:accent2>
+        <a:srgbClr val="50B432"/>
+      </a:accent2>
+      <a:accent3>
+        <a:srgbClr val="ED561B"/>
+      </a:accent3>
+      <a:accent4>
+        <a:srgbClr val="EDEF00"/>
+      </a:accent4>
+      <a:accent5>
+        <a:srgbClr val="24CBE5"/>
+      </a:accent5>
+      <a:accent6>
+        <a:srgbClr val="64E572"/>
+      </a:accent6>
+      <a:hlink>
+        <a:srgbClr val="2200CC"/>
+      </a:hlink>
+      <a:folHlink>
+        <a:srgbClr val="551A8B"/>
+      </a:folHlink>
+    </a:clrScheme>
+    <a:fontScheme name="Office">
+      <a:majorFont>
+        <a:latin typeface="Arial"/>
+        <a:ea typeface=""/>
+        <a:cs typeface=""/>
+        <a:font script="Jpan" typeface="ＭＳ Ｐゴシック"/>
+        <a:font script="Hang" typeface="맑은 고딕"/>
+        <a:font script="Hans" typeface="宋体"/>
+        <a:font script="Hant" typeface="新細明體"/>
+        <a:font script="Arab" typeface="Times New Roman"/>
+        <a:font script="Hebr" typeface="Times New Roman"/>
+        <a:font script="Thai" typeface="Angsana New"/>
+        <a:font script="Ethi" typeface="Nyala"/>
+        <a:font script="Beng" typeface="Vrinda"/>
+        <a:font script="Gujr" typeface="Shruti"/>
+        <a:font script="Khmr" typeface="MoolBoran"/>
+        <a:font script="Knda" typeface="Tunga"/>
+        <a:font script="Guru" typeface="Raavi"/>
+        <a:font script="Cans" typeface="Euphemia"/>
+        <a:font script="Cher" typeface="Plantagenet Cherokee"/>
+        <a:font script="Yiii" typeface="Microsoft Yi Baiti"/>
+        <a:font script="Tibt" typeface="Microsoft Himalaya"/>
+        <a:font script="Thaa" typeface="MV Boli"/>
+        <a:font script="Deva" typeface="Mangal"/>
+        <a:font script="Telu" typeface="Gautami"/>
+        <a:font script="Taml" typeface="Latha"/>
+        <a:font script="Syrc" typeface="Estrangelo Edessa"/>
+        <a:font script="Orya" typeface="Kalinga"/>
+        <a:font script="Mlym" typeface="Kartika"/>
+        <a:font script="Laoo" typeface="DokChampa"/>
+        <a:font script="Sinh" typeface="Iskoola Pota"/>
+        <a:font script="Mong" typeface="Mongolian Baiti"/>
+        <a:font script="Viet" typeface="Times New Roman"/>
+        <a:font script="Uigh" typeface="Microsoft Uighur"/>
+        <a:font script="Geor" typeface="Sylfaen"/>
+      </a:majorFont>
+      <a:minorFont>
+        <a:latin typeface="Arial"/>
+        <a:ea typeface=""/>
+        <a:cs typeface=""/>
+        <a:font script="Jpan" typeface="ＭＳ Ｐゴシック"/>
+        <a:font script="Hang" typeface="맑은 고딕"/>
+        <a:font script="Hans" typeface="宋体"/>
+        <a:font script="Hant" typeface="新細明體"/>
+        <a:font script="Arab" typeface="Arial"/>
+        <a:font script="Hebr" typeface="Arial"/>
+        <a:font script="Thai" typeface="Cordia New"/>
+        <a:font script="Ethi" typeface="Nyala"/>
+        <a:font script="Beng" typeface="Vrinda"/>
+        <a:font script="Gujr" typeface="Shruti"/>
+        <a:font script="Khmr" typeface="DaunPenh"/>
+        <a:font script="Knda" typeface="Tunga"/>
+        <a:font script="Guru" typeface="Raavi"/>
+        <a:font script="Cans" typeface="Euphemia"/>
+        <a:font script="Cher" typeface="Plantagenet Cherokee"/>
+        <a:font script="Yiii" typeface="Microsoft Yi Baiti"/>
+        <a:font script="Tibt" typeface="Microsoft Himalaya"/>
+        <a:font script="Thaa" typeface="MV Boli"/>
+        <a:font script="Deva" typeface="Mangal"/>
+        <a:font script="Telu" typeface="Gautami"/>
+        <a:font script="Taml" typeface="Latha"/>
+        <a:font script="Syrc" typeface="Estrangelo Edessa"/>
+        <a:font script="Orya" typeface="Kalinga"/>
+        <a:font script="Mlym" typeface="Kartika"/>
+        <a:font script="Laoo" typeface="DokChampa"/>
+        <a:font script="Sinh" typeface="Iskoola Pota"/>
+        <a:font script="Mong" typeface="Mongolian Baiti"/>
+        <a:font script="Viet" typeface="Arial"/>
+        <a:font script="Uigh" typeface="Microsoft Uighur"/>
+        <a:font script="Geor" typeface="Sylfaen"/>
+      </a:minorFont>
+    </a:fontScheme>
+    <a:fmtScheme name="Office">
+      <a:fillStyleLst>
+        <a:solidFill>
+          <a:schemeClr val="phClr"/>
+        </a:solidFill>
+        <a:gradFill rotWithShape="1">
+          <a:gsLst>
+            <a:gs pos="0">
+              <a:schemeClr val="phClr">
+                <a:tint val="50000"/>
+                <a:satMod val="300000"/>
+              </a:schemeClr>
+            </a:gs>
+            <a:gs pos="35000">
+              <a:schemeClr val="phClr">
+                <a:tint val="37000"/>
+                <a:satMod val="300000"/>
+              </a:schemeClr>
+            </a:gs>
+            <a:gs pos="100000">
+              <a:schemeClr val="phClr">
+                <a:tint val="15000"/>
+                <a:satMod val="350000"/>
+              </a:schemeClr>
+            </a:gs>
+          </a:gsLst>
+          <a:lin ang="16200000" scaled="1"/>
+        </a:gradFill>
+        <a:gradFill rotWithShape="1">
+          <a:gsLst>
+            <a:gs pos="0">
+              <a:schemeClr val="phClr">
+                <a:tint val="100000"/>
+                <a:shade val="100000"/>
+                <a:satMod val="130000"/>
+              </a:schemeClr>
+            </a:gs>
+            <a:gs pos="100000">
+              <a:schemeClr val="phClr">
+                <a:tint val="50000"/>
+                <a:shade val="100000"/>
+                <a:satMod val="350000"/>
+              </a:schemeClr>
+            </a:gs>
+          </a:gsLst>
+          <a:lin ang="16200000" scaled="0"/>
+        </a:gradFill>
+      </a:fillStyleLst>
+      <a:lnStyleLst>
+        <a:ln w="9525" cap="flat" cmpd="sng" algn="ctr">
+          <a:solidFill>
+            <a:schemeClr val="phClr">
+              <a:shade val="95000"/>
+              <a:satMod val="105000"/>
+            </a:schemeClr>
+          </a:solidFill>
+          <a:prstDash val="solid"/>
+        </a:ln>
+        <a:ln w="25400" cap="flat" cmpd="sng" algn="ctr">
+          <a:solidFill>
+            <a:schemeClr val="phClr"/>
+          </a:solidFill>
+          <a:prstDash val="solid"/>
+        </a:ln>
+        <a:ln w="38100" cap="flat" cmpd="sng" algn="ctr">
+          <a:solidFill>
+            <a:schemeClr val="phClr"/>
+          </a:solidFill>
+          <a:prstDash val="solid"/>
+        </a:ln>
+      </a:lnStyleLst>
+      <a:effectStyleLst>
+        <a:effectStyle>
+          <a:effectLst>
+            <a:outerShdw blurRad="40000" dist="20000" dir="5400000" rotWithShape="0">
+              <a:srgbClr val="000000">
+                <a:alpha val="38000"/>
+              </a:srgbClr>
+            </a:outerShdw>
+          </a:effectLst>
+        </a:effectStyle>
+        <a:effectStyle>
+          <a:effectLst>
+            <a:outerShdw blurRad="40000" dist="23000" dir="5400000" rotWithShape="0">
+              <a:srgbClr val="000000">
+                <a:alpha val="35000"/>
+              </a:srgbClr>
+            </a:outerShdw>
+          </a:effectLst>
+        </a:effectStyle>
+        <a:effectStyle>
+          <a:effectLst>
+            <a:outerShdw blurRad="40000" dist="23000" dir="5400000" rotWithShape="0">
+              <a:srgbClr val="000000">
+                <a:alpha val="35000"/>
+              </a:srgbClr>
+            </a:outerShdw>
+          </a:effectLst>
+          <a:scene3d>
+            <a:camera prst="orthographicFront">
+              <a:rot lat="0" lon="0" rev="0"/>
+            </a:camera>
+            <a:lightRig rig="threePt" dir="t">
+              <a:rot lat="0" lon="0" rev="1200000"/>
+            </a:lightRig>
+          </a:scene3d>
+          <a:sp3d>
+            <a:bevelT w="63500" h="25400"/>
+          </a:sp3d>
+        </a:effectStyle>
+      </a:effectStyleLst>
+      <a:bgFillStyleLst>
+        <a:solidFill>
+          <a:schemeClr val="phClr"/>
+        </a:solidFill>
+        <a:gradFill rotWithShape="1">
+          <a:gsLst>
+            <a:gs pos="0">
+              <a:schemeClr val="phClr">
+                <a:tint val="40000"/>
+                <a:satMod val="350000"/>
+              </a:schemeClr>
+            </a:gs>
+            <a:gs pos="40000">
+              <a:schemeClr val="phClr">
+                <a:tint val="45000"/>
+                <a:shade val="99000"/>
+                <a:satMod val="350000"/>
+              </a:schemeClr>
+            </a:gs>
+            <a:gs pos="100000">
+              <a:schemeClr val="phClr">
+                <a:shade val="20000"/>
+                <a:satMod val="255000"/>
+              </a:schemeClr>
+            </a:gs>
+          </a:gsLst>
+          <a:path path="circle">
+            <a:fillToRect l="50000" t="-80000" r="50000" b="180000"/>
+          </a:path>
+        </a:gradFill>
+        <a:gradFill rotWithShape="1">
+          <a:gsLst>
+            <a:gs pos="0">
+              <a:schemeClr val="phClr">
+                <a:tint val="80000"/>
+                <a:satMod val="300000"/>
+              </a:schemeClr>
+            </a:gs>
+            <a:gs pos="100000">
+              <a:schemeClr val="phClr">
+                <a:shade val="30000"/>
+                <a:satMod val="200000"/>
+              </a:schemeClr>
+            </a:gs>
+          </a:gsLst>
+          <a:path path="circle">
+            <a:fillToRect l="50000" t="50000" r="50000" b="50000"/>
+          </a:path>
+        </a:gradFill>
+      </a:bgFillStyleLst>
+    </a:fmtScheme>
+  </a:themeElements>
+</a:theme>
+</file>
+
+<file path=ppt/theme/theme2.xml><?xml version="1.0" encoding="utf-8"?>
 <a:theme xmlns:a="http://schemas.openxmlformats.org/drawingml/2006/main" xmlns:r="http://schemas.openxmlformats.org/officeDocument/2006/relationships" name="Basis">
   <a:themeElements>
     <a:clrScheme name="Basis">
@@ -14578,283 +14860,4 @@
     </a:fmtScheme>
   </a:themeElements>
 </a:theme>
-</file>
-
-<file path=ppt/theme/theme2.xml><?xml version="1.0" encoding="utf-8"?>
-<a:theme xmlns:a="http://schemas.openxmlformats.org/drawingml/2006/main" xmlns:r="http://schemas.openxmlformats.org/officeDocument/2006/relationships">
-  <a:themeElements>
-    <a:clrScheme name="Default">
-      <a:dk1>
-        <a:srgbClr val="000000"/>
-      </a:dk1>
-      <a:lt1>
-        <a:srgbClr val="FFFFFF"/>
-      </a:lt1>
-      <a:dk2>
-        <a:srgbClr val="158158"/>
-      </a:dk2>
-      <a:lt2>
-        <a:srgbClr val="F3F3F3"/>
-      </a:lt2>
-      <a:accent1>
-        <a:srgbClr val="058DC7"/>
-      </a:accent1>
-      <a:accent2>
-        <a:srgbClr val="50B432"/>
-      </a:accent2>
-      <a:accent3>
-        <a:srgbClr val="ED561B"/>
-      </a:accent3>
-      <a:accent4>
-        <a:srgbClr val="EDEF00"/>
-      </a:accent4>
-      <a:accent5>
-        <a:srgbClr val="24CBE5"/>
-      </a:accent5>
-      <a:accent6>
-        <a:srgbClr val="64E572"/>
-      </a:accent6>
-      <a:hlink>
-        <a:srgbClr val="2200CC"/>
-      </a:hlink>
-      <a:folHlink>
-        <a:srgbClr val="551A8B"/>
-      </a:folHlink>
-    </a:clrScheme>
-    <a:fontScheme name="Office">
-      <a:majorFont>
-        <a:latin typeface="Arial"/>
-        <a:ea typeface=""/>
-        <a:cs typeface=""/>
-        <a:font script="Jpan" typeface="ＭＳ Ｐゴシック"/>
-        <a:font script="Hang" typeface="맑은 고딕"/>
-        <a:font script="Hans" typeface="宋体"/>
-        <a:font script="Hant" typeface="新細明體"/>
-        <a:font script="Arab" typeface="Times New Roman"/>
-        <a:font script="Hebr" typeface="Times New Roman"/>
-        <a:font script="Thai" typeface="Angsana New"/>
-        <a:font script="Ethi" typeface="Nyala"/>
-        <a:font script="Beng" typeface="Vrinda"/>
-        <a:font script="Gujr" typeface="Shruti"/>
-        <a:font script="Khmr" typeface="MoolBoran"/>
-        <a:font script="Knda" typeface="Tunga"/>
-        <a:font script="Guru" typeface="Raavi"/>
-        <a:font script="Cans" typeface="Euphemia"/>
-        <a:font script="Cher" typeface="Plantagenet Cherokee"/>
-        <a:font script="Yiii" typeface="Microsoft Yi Baiti"/>
-        <a:font script="Tibt" typeface="Microsoft Himalaya"/>
-        <a:font script="Thaa" typeface="MV Boli"/>
-        <a:font script="Deva" typeface="Mangal"/>
-        <a:font script="Telu" typeface="Gautami"/>
-        <a:font script="Taml" typeface="Latha"/>
-        <a:font script="Syrc" typeface="Estrangelo Edessa"/>
-        <a:font script="Orya" typeface="Kalinga"/>
-        <a:font script="Mlym" typeface="Kartika"/>
-        <a:font script="Laoo" typeface="DokChampa"/>
-        <a:font script="Sinh" typeface="Iskoola Pota"/>
-        <a:font script="Mong" typeface="Mongolian Baiti"/>
-        <a:font script="Viet" typeface="Times New Roman"/>
-        <a:font script="Uigh" typeface="Microsoft Uighur"/>
-        <a:font script="Geor" typeface="Sylfaen"/>
-      </a:majorFont>
-      <a:minorFont>
-        <a:latin typeface="Arial"/>
-        <a:ea typeface=""/>
-        <a:cs typeface=""/>
-        <a:font script="Jpan" typeface="ＭＳ Ｐゴシック"/>
-        <a:font script="Hang" typeface="맑은 고딕"/>
-        <a:font script="Hans" typeface="宋体"/>
-        <a:font script="Hant" typeface="新細明體"/>
-        <a:font script="Arab" typeface="Arial"/>
-        <a:font script="Hebr" typeface="Arial"/>
-        <a:font script="Thai" typeface="Cordia New"/>
-        <a:font script="Ethi" typeface="Nyala"/>
-        <a:font script="Beng" typeface="Vrinda"/>
-        <a:font script="Gujr" typeface="Shruti"/>
-        <a:font script="Khmr" typeface="DaunPenh"/>
-        <a:font script="Knda" typeface="Tunga"/>
-        <a:font script="Guru" typeface="Raavi"/>
-        <a:font script="Cans" typeface="Euphemia"/>
-        <a:font script="Cher" typeface="Plantagenet Cherokee"/>
-        <a:font script="Yiii" typeface="Microsoft Yi Baiti"/>
-        <a:font script="Tibt" typeface="Microsoft Himalaya"/>
-        <a:font script="Thaa" typeface="MV Boli"/>
-        <a:font script="Deva" typeface="Mangal"/>
-        <a:font script="Telu" typeface="Gautami"/>
-        <a:font script="Taml" typeface="Latha"/>
-        <a:font script="Syrc" typeface="Estrangelo Edessa"/>
-        <a:font script="Orya" typeface="Kalinga"/>
-        <a:font script="Mlym" typeface="Kartika"/>
-        <a:font script="Laoo" typeface="DokChampa"/>
-        <a:font script="Sinh" typeface="Iskoola Pota"/>
-        <a:font script="Mong" typeface="Mongolian Baiti"/>
-        <a:font script="Viet" typeface="Arial"/>
-        <a:font script="Uigh" typeface="Microsoft Uighur"/>
-        <a:font script="Geor" typeface="Sylfaen"/>
-      </a:minorFont>
-    </a:fontScheme>
-    <a:fmtScheme name="Office">
-      <a:fillStyleLst>
-        <a:solidFill>
-          <a:schemeClr val="phClr"/>
-        </a:solidFill>
-        <a:gradFill rotWithShape="1">
-          <a:gsLst>
-            <a:gs pos="0">
-              <a:schemeClr val="phClr">
-                <a:tint val="50000"/>
-                <a:satMod val="300000"/>
-              </a:schemeClr>
-            </a:gs>
-            <a:gs pos="35000">
-              <a:schemeClr val="phClr">
-                <a:tint val="37000"/>
-                <a:satMod val="300000"/>
-              </a:schemeClr>
-            </a:gs>
-            <a:gs pos="100000">
-              <a:schemeClr val="phClr">
-                <a:tint val="15000"/>
-                <a:satMod val="350000"/>
-              </a:schemeClr>
-            </a:gs>
-          </a:gsLst>
-          <a:lin ang="16200000" scaled="1"/>
-        </a:gradFill>
-        <a:gradFill rotWithShape="1">
-          <a:gsLst>
-            <a:gs pos="0">
-              <a:schemeClr val="phClr">
-                <a:tint val="100000"/>
-                <a:shade val="100000"/>
-                <a:satMod val="130000"/>
-              </a:schemeClr>
-            </a:gs>
-            <a:gs pos="100000">
-              <a:schemeClr val="phClr">
-                <a:tint val="50000"/>
-                <a:shade val="100000"/>
-                <a:satMod val="350000"/>
-              </a:schemeClr>
-            </a:gs>
-          </a:gsLst>
-          <a:lin ang="16200000" scaled="0"/>
-        </a:gradFill>
-      </a:fillStyleLst>
-      <a:lnStyleLst>
-        <a:ln w="9525" cap="flat" cmpd="sng" algn="ctr">
-          <a:solidFill>
-            <a:schemeClr val="phClr">
-              <a:shade val="95000"/>
-              <a:satMod val="105000"/>
-            </a:schemeClr>
-          </a:solidFill>
-          <a:prstDash val="solid"/>
-        </a:ln>
-        <a:ln w="25400" cap="flat" cmpd="sng" algn="ctr">
-          <a:solidFill>
-            <a:schemeClr val="phClr"/>
-          </a:solidFill>
-          <a:prstDash val="solid"/>
-        </a:ln>
-        <a:ln w="38100" cap="flat" cmpd="sng" algn="ctr">
-          <a:solidFill>
-            <a:schemeClr val="phClr"/>
-          </a:solidFill>
-          <a:prstDash val="solid"/>
-        </a:ln>
-      </a:lnStyleLst>
-      <a:effectStyleLst>
-        <a:effectStyle>
-          <a:effectLst>
-            <a:outerShdw blurRad="40000" dist="20000" dir="5400000" rotWithShape="0">
-              <a:srgbClr val="000000">
-                <a:alpha val="38000"/>
-              </a:srgbClr>
-            </a:outerShdw>
-          </a:effectLst>
-        </a:effectStyle>
-        <a:effectStyle>
-          <a:effectLst>
-            <a:outerShdw blurRad="40000" dist="23000" dir="5400000" rotWithShape="0">
-              <a:srgbClr val="000000">
-                <a:alpha val="35000"/>
-              </a:srgbClr>
-            </a:outerShdw>
-          </a:effectLst>
-        </a:effectStyle>
-        <a:effectStyle>
-          <a:effectLst>
-            <a:outerShdw blurRad="40000" dist="23000" dir="5400000" rotWithShape="0">
-              <a:srgbClr val="000000">
-                <a:alpha val="35000"/>
-              </a:srgbClr>
-            </a:outerShdw>
-          </a:effectLst>
-          <a:scene3d>
-            <a:camera prst="orthographicFront">
-              <a:rot lat="0" lon="0" rev="0"/>
-            </a:camera>
-            <a:lightRig rig="threePt" dir="t">
-              <a:rot lat="0" lon="0" rev="1200000"/>
-            </a:lightRig>
-          </a:scene3d>
-          <a:sp3d>
-            <a:bevelT w="63500" h="25400"/>
-          </a:sp3d>
-        </a:effectStyle>
-      </a:effectStyleLst>
-      <a:bgFillStyleLst>
-        <a:solidFill>
-          <a:schemeClr val="phClr"/>
-        </a:solidFill>
-        <a:gradFill rotWithShape="1">
-          <a:gsLst>
-            <a:gs pos="0">
-              <a:schemeClr val="phClr">
-                <a:tint val="40000"/>
-                <a:satMod val="350000"/>
-              </a:schemeClr>
-            </a:gs>
-            <a:gs pos="40000">
-              <a:schemeClr val="phClr">
-                <a:tint val="45000"/>
-                <a:shade val="99000"/>
-                <a:satMod val="350000"/>
-              </a:schemeClr>
-            </a:gs>
-            <a:gs pos="100000">
-              <a:schemeClr val="phClr">
-                <a:shade val="20000"/>
-                <a:satMod val="255000"/>
-              </a:schemeClr>
-            </a:gs>
-          </a:gsLst>
-          <a:path path="circle">
-            <a:fillToRect l="50000" t="-80000" r="50000" b="180000"/>
-          </a:path>
-        </a:gradFill>
-        <a:gradFill rotWithShape="1">
-          <a:gsLst>
-            <a:gs pos="0">
-              <a:schemeClr val="phClr">
-                <a:tint val="80000"/>
-                <a:satMod val="300000"/>
-              </a:schemeClr>
-            </a:gs>
-            <a:gs pos="100000">
-              <a:schemeClr val="phClr">
-                <a:shade val="30000"/>
-                <a:satMod val="200000"/>
-              </a:schemeClr>
-            </a:gs>
-          </a:gsLst>
-          <a:path path="circle">
-            <a:fillToRect l="50000" t="50000" r="50000" b="50000"/>
-          </a:path>
-        </a:gradFill>
-      </a:bgFillStyleLst>
-    </a:fmtScheme>
-  </a:themeElements>
-</a:theme>
 </file>
--- a/Submission3/Slide.pptx
+++ b/Submission3/Slide.pptx
@@ -1,6 +1,6 @@
 
 <file path=ppt/presentation.xml><?xml version="1.0" encoding="utf-8"?>
-<p:presentation xmlns:a="http://schemas.openxmlformats.org/drawingml/2006/main" xmlns:r="http://schemas.openxmlformats.org/officeDocument/2006/relationships" xmlns:mc="http://schemas.openxmlformats.org/markup-compatibility/2006" xmlns:mv="urn:schemas-microsoft-com:mac:vml" xmlns:p="http://schemas.openxmlformats.org/presentationml/2006/main" xmlns:c="http://schemas.openxmlformats.org/drawingml/2006/chart" xmlns:dgm="http://schemas.openxmlformats.org/drawingml/2006/diagram" xmlns:o="urn:schemas-microsoft-com:office:office" xmlns:v="urn:schemas-microsoft-com:vml" xmlns:pvml="urn:schemas-microsoft-com:office:powerpoint" xmlns:com="http://schemas.openxmlformats.org/drawingml/2006/compatibility" xmlns:p14="http://schemas.microsoft.com/office/powerpoint/2010/main" xmlns:p15="http://schemas.microsoft.com/office/powerpoint/2012/main" xmlns:ahyp="http://schemas.microsoft.com/office/drawing/2018/hyperlinkcolor" autoCompressPictures="0" embedTrueTypeFonts="1" strictFirstAndLastChars="0" saveSubsetFonts="1">
+<p:presentation xmlns:a="http://schemas.openxmlformats.org/drawingml/2006/main" xmlns:r="http://schemas.openxmlformats.org/officeDocument/2006/relationships" xmlns:mc="http://schemas.openxmlformats.org/markup-compatibility/2006" xmlns:mv="urn:schemas-microsoft-com:mac:vml" xmlns:p="http://schemas.openxmlformats.org/presentationml/2006/main" xmlns:c="http://schemas.openxmlformats.org/drawingml/2006/chart" xmlns:dgm="http://schemas.openxmlformats.org/drawingml/2006/diagram" xmlns:o="urn:schemas-microsoft-com:office:office" xmlns:v="urn:schemas-microsoft-com:vml" xmlns:pvml="urn:schemas-microsoft-com:office:powerpoint" xmlns:com="http://schemas.openxmlformats.org/drawingml/2006/compatibility" xmlns:p14="http://schemas.microsoft.com/office/powerpoint/2010/main" xmlns:p15="http://schemas.microsoft.com/office/powerpoint/2012/main" xmlns:ahyp="http://schemas.microsoft.com/office/drawing/2018/hyperlinkcolor" autoCompressPictures="0" embedTrueTypeFonts="1" strictFirstAndLastChars="0" saveSubsetFonts="1" showSpecialPlsOnTitleSld="0">
   <p:sldMasterIdLst>
     <p:sldMasterId id="2147483648" r:id="rId4"/>
   </p:sldMasterIdLst>
@@ -262,7 +262,7 @@
   </p:defaultTextStyle>
   <p:extLst>
     <p:ext uri="GoogleSlidesCustomDataVersion2">
-      <go:slidesCustomData xmlns:go="http://customooxmlschemas.google.com/" r:id="rId21" roundtripDataSignature="AMtx7mhXy0WVRLlgWvJp0fdEQdxde37Aug=="/>
+      <go:slidesCustomData xmlns:go="http://customooxmlschemas.google.com/" r:id="rId21" roundtripDataSignature="AMtx7mhI4TZlVVobjkHRptSAPXtpT5Kzlw=="/>
     </p:ext>
   </p:extLst>
 </p:presentation>
@@ -798,7 +798,7 @@
   <p:cSld>
     <p:spTree>
       <p:nvGrpSpPr>
-        <p:cNvPr id="144" name="Shape 144"/>
+        <p:cNvPr id="151" name="Shape 151"/>
         <p:cNvGrpSpPr/>
         <p:nvPr/>
       </p:nvGrpSpPr>
@@ -812,7 +812,7 @@
       </p:grpSpPr>
       <p:sp>
         <p:nvSpPr>
-          <p:cNvPr id="145" name="Google Shape;145;g26361cd1314_0_0:notes"/>
+          <p:cNvPr id="152" name="Google Shape;152;g26361cd1314_0_0:notes"/>
           <p:cNvSpPr/>
           <p:nvPr>
             <p:ph idx="2" type="sldImg"/>
@@ -847,7 +847,7 @@
       </p:sp>
       <p:sp>
         <p:nvSpPr>
-          <p:cNvPr id="146" name="Google Shape;146;g26361cd1314_0_0:notes"/>
+          <p:cNvPr id="153" name="Google Shape;153;g26361cd1314_0_0:notes"/>
           <p:cNvSpPr txBox="1"/>
           <p:nvPr>
             <p:ph idx="1" type="body"/>
@@ -897,7 +897,7 @@
   <p:cSld>
     <p:spTree>
       <p:nvGrpSpPr>
-        <p:cNvPr id="150" name="Shape 150"/>
+        <p:cNvPr id="158" name="Shape 158"/>
         <p:cNvGrpSpPr/>
         <p:nvPr/>
       </p:nvGrpSpPr>
@@ -911,7 +911,7 @@
       </p:grpSpPr>
       <p:sp>
         <p:nvSpPr>
-          <p:cNvPr id="151" name="Google Shape;151;g2635b20a010_0_38:notes"/>
+          <p:cNvPr id="159" name="Google Shape;159;g2635b20a010_0_38:notes"/>
           <p:cNvSpPr/>
           <p:nvPr>
             <p:ph idx="2" type="sldImg"/>
@@ -946,7 +946,7 @@
       </p:sp>
       <p:sp>
         <p:nvSpPr>
-          <p:cNvPr id="152" name="Google Shape;152;g2635b20a010_0_38:notes"/>
+          <p:cNvPr id="160" name="Google Shape;160;g2635b20a010_0_38:notes"/>
           <p:cNvSpPr txBox="1"/>
           <p:nvPr>
             <p:ph idx="1" type="body"/>
@@ -1095,7 +1095,7 @@
   <p:cSld>
     <p:spTree>
       <p:nvGrpSpPr>
-        <p:cNvPr id="97" name="Shape 97"/>
+        <p:cNvPr id="98" name="Shape 98"/>
         <p:cNvGrpSpPr/>
         <p:nvPr/>
       </p:nvGrpSpPr>
@@ -1109,7 +1109,7 @@
       </p:grpSpPr>
       <p:sp>
         <p:nvSpPr>
-          <p:cNvPr id="98" name="Google Shape;98;g2635b20a010_0_54:notes"/>
+          <p:cNvPr id="99" name="Google Shape;99;g2635b20a010_0_54:notes"/>
           <p:cNvSpPr/>
           <p:nvPr>
             <p:ph idx="2" type="sldImg"/>
@@ -1144,7 +1144,7 @@
       </p:sp>
       <p:sp>
         <p:nvSpPr>
-          <p:cNvPr id="99" name="Google Shape;99;g2635b20a010_0_54:notes"/>
+          <p:cNvPr id="100" name="Google Shape;100;g2635b20a010_0_54:notes"/>
           <p:cNvSpPr txBox="1"/>
           <p:nvPr>
             <p:ph idx="1" type="body"/>
@@ -1194,7 +1194,7 @@
   <p:cSld>
     <p:spTree>
       <p:nvGrpSpPr>
-        <p:cNvPr id="103" name="Shape 103"/>
+        <p:cNvPr id="105" name="Shape 105"/>
         <p:cNvGrpSpPr/>
         <p:nvPr/>
       </p:nvGrpSpPr>
@@ -1208,7 +1208,7 @@
       </p:grpSpPr>
       <p:sp>
         <p:nvSpPr>
-          <p:cNvPr id="104" name="Google Shape;104;p3:notes"/>
+          <p:cNvPr id="106" name="Google Shape;106;p3:notes"/>
           <p:cNvSpPr txBox="1"/>
           <p:nvPr>
             <p:ph idx="1" type="body"/>
@@ -1247,7 +1247,7 @@
       </p:sp>
       <p:sp>
         <p:nvSpPr>
-          <p:cNvPr id="105" name="Google Shape;105;p3:notes"/>
+          <p:cNvPr id="107" name="Google Shape;107;p3:notes"/>
           <p:cNvSpPr/>
           <p:nvPr>
             <p:ph idx="2" type="sldImg"/>
@@ -1293,7 +1293,7 @@
   <p:cSld>
     <p:spTree>
       <p:nvGrpSpPr>
-        <p:cNvPr id="113" name="Shape 113"/>
+        <p:cNvPr id="115" name="Shape 115"/>
         <p:cNvGrpSpPr/>
         <p:nvPr/>
       </p:nvGrpSpPr>
@@ -1307,7 +1307,7 @@
       </p:grpSpPr>
       <p:sp>
         <p:nvSpPr>
-          <p:cNvPr id="114" name="Google Shape;114;g2635b20a010_0_4:notes"/>
+          <p:cNvPr id="116" name="Google Shape;116;g2635b20a010_0_4:notes"/>
           <p:cNvSpPr/>
           <p:nvPr>
             <p:ph idx="2" type="sldImg"/>
@@ -1342,7 +1342,7 @@
       </p:sp>
       <p:sp>
         <p:nvSpPr>
-          <p:cNvPr id="115" name="Google Shape;115;g2635b20a010_0_4:notes"/>
+          <p:cNvPr id="117" name="Google Shape;117;g2635b20a010_0_4:notes"/>
           <p:cNvSpPr txBox="1"/>
           <p:nvPr>
             <p:ph idx="1" type="body"/>
@@ -1392,7 +1392,7 @@
   <p:cSld>
     <p:spTree>
       <p:nvGrpSpPr>
-        <p:cNvPr id="119" name="Shape 119"/>
+        <p:cNvPr id="122" name="Shape 122"/>
         <p:cNvGrpSpPr/>
         <p:nvPr/>
       </p:nvGrpSpPr>
@@ -1406,7 +1406,7 @@
       </p:grpSpPr>
       <p:sp>
         <p:nvSpPr>
-          <p:cNvPr id="120" name="Google Shape;120;g2635b20a010_0_11:notes"/>
+          <p:cNvPr id="123" name="Google Shape;123;g2635b20a010_0_11:notes"/>
           <p:cNvSpPr/>
           <p:nvPr>
             <p:ph idx="2" type="sldImg"/>
@@ -1441,7 +1441,7 @@
       </p:sp>
       <p:sp>
         <p:nvSpPr>
-          <p:cNvPr id="121" name="Google Shape;121;g2635b20a010_0_11:notes"/>
+          <p:cNvPr id="124" name="Google Shape;124;g2635b20a010_0_11:notes"/>
           <p:cNvSpPr txBox="1"/>
           <p:nvPr>
             <p:ph idx="1" type="body"/>
@@ -1491,7 +1491,7 @@
   <p:cSld>
     <p:spTree>
       <p:nvGrpSpPr>
-        <p:cNvPr id="125" name="Shape 125"/>
+        <p:cNvPr id="129" name="Shape 129"/>
         <p:cNvGrpSpPr/>
         <p:nvPr/>
       </p:nvGrpSpPr>
@@ -1505,7 +1505,7 @@
       </p:grpSpPr>
       <p:sp>
         <p:nvSpPr>
-          <p:cNvPr id="126" name="Google Shape;126;g2635b20a010_0_16:notes"/>
+          <p:cNvPr id="130" name="Google Shape;130;g2635b20a010_0_16:notes"/>
           <p:cNvSpPr/>
           <p:nvPr>
             <p:ph idx="2" type="sldImg"/>
@@ -1540,7 +1540,7 @@
       </p:sp>
       <p:sp>
         <p:nvSpPr>
-          <p:cNvPr id="127" name="Google Shape;127;g2635b20a010_0_16:notes"/>
+          <p:cNvPr id="131" name="Google Shape;131;g2635b20a010_0_16:notes"/>
           <p:cNvSpPr txBox="1"/>
           <p:nvPr>
             <p:ph idx="1" type="body"/>
@@ -1607,7 +1607,7 @@
   <p:cSld>
     <p:spTree>
       <p:nvGrpSpPr>
-        <p:cNvPr id="132" name="Shape 132"/>
+        <p:cNvPr id="137" name="Shape 137"/>
         <p:cNvGrpSpPr/>
         <p:nvPr/>
       </p:nvGrpSpPr>
@@ -1621,7 +1621,7 @@
       </p:grpSpPr>
       <p:sp>
         <p:nvSpPr>
-          <p:cNvPr id="133" name="Google Shape;133;g2635b20a010_0_22:notes"/>
+          <p:cNvPr id="138" name="Google Shape;138;g2635b20a010_0_22:notes"/>
           <p:cNvSpPr/>
           <p:nvPr>
             <p:ph idx="2" type="sldImg"/>
@@ -1656,7 +1656,7 @@
       </p:sp>
       <p:sp>
         <p:nvSpPr>
-          <p:cNvPr id="134" name="Google Shape;134;g2635b20a010_0_22:notes"/>
+          <p:cNvPr id="139" name="Google Shape;139;g2635b20a010_0_22:notes"/>
           <p:cNvSpPr txBox="1"/>
           <p:nvPr>
             <p:ph idx="1" type="body"/>
@@ -1706,7 +1706,7 @@
   <p:cSld>
     <p:spTree>
       <p:nvGrpSpPr>
-        <p:cNvPr id="138" name="Shape 138"/>
+        <p:cNvPr id="144" name="Shape 144"/>
         <p:cNvGrpSpPr/>
         <p:nvPr/>
       </p:nvGrpSpPr>
@@ -1720,7 +1720,7 @@
       </p:grpSpPr>
       <p:sp>
         <p:nvSpPr>
-          <p:cNvPr id="139" name="Google Shape;139;g2635b20a010_0_28:notes"/>
+          <p:cNvPr id="145" name="Google Shape;145;g2635b20a010_0_28:notes"/>
           <p:cNvSpPr/>
           <p:nvPr>
             <p:ph idx="2" type="sldImg"/>
@@ -1755,7 +1755,7 @@
       </p:sp>
       <p:sp>
         <p:nvSpPr>
-          <p:cNvPr id="140" name="Google Shape;140;g2635b20a010_0_28:notes"/>
+          <p:cNvPr id="146" name="Google Shape;146;g2635b20a010_0_28:notes"/>
           <p:cNvSpPr txBox="1"/>
           <p:nvPr>
             <p:ph idx="1" type="body"/>
@@ -10959,7 +10959,7 @@
     <p:sldLayoutId id="2147483658" r:id="rId10"/>
     <p:sldLayoutId id="2147483659" r:id="rId11"/>
   </p:sldLayoutIdLst>
-  <p:hf dt="0" ftr="0" hdr="0" sldNum="0"/>
+  <p:hf dt="0" ftr="0" hdr="0"/>
   <p:txStyles>
     <p:titleStyle>
       <a:defPPr lvl="0" marR="0" rtl="0" algn="l">
@@ -11736,7 +11736,7 @@
             <a:tbl>
               <a:tblPr bandRow="1" firstRow="1">
                 <a:noFill/>
-                <a:tableStyleId>{D39432A5-6D35-4AF6-8ADB-6AC0C5DB4444}</a:tableStyleId>
+                <a:tableStyleId>{9D368013-C51F-4B16-8F11-2EDCF5C4DEE0}</a:tableStyleId>
               </a:tblPr>
               <a:tblGrid>
                 <a:gridCol w="2890475"/>
@@ -12272,7 +12272,7 @@
   <p:cSld>
     <p:spTree>
       <p:nvGrpSpPr>
-        <p:cNvPr id="147" name="Shape 147"/>
+        <p:cNvPr id="154" name="Shape 154"/>
         <p:cNvGrpSpPr/>
         <p:nvPr/>
       </p:nvGrpSpPr>
@@ -12286,7 +12286,7 @@
       </p:grpSpPr>
       <p:sp>
         <p:nvSpPr>
-          <p:cNvPr id="148" name="Google Shape;148;g26361cd1314_0_0"/>
+          <p:cNvPr id="155" name="Google Shape;155;g26361cd1314_0_0"/>
           <p:cNvSpPr txBox="1"/>
           <p:nvPr>
             <p:ph type="title"/>
@@ -12326,7 +12326,7 @@
       </p:sp>
       <p:sp>
         <p:nvSpPr>
-          <p:cNvPr id="149" name="Google Shape;149;g26361cd1314_0_0"/>
+          <p:cNvPr id="156" name="Google Shape;156;g26361cd1314_0_0"/>
           <p:cNvSpPr txBox="1"/>
           <p:nvPr>
             <p:ph idx="1" type="body"/>
@@ -12519,6 +12519,50 @@
           </a:p>
         </p:txBody>
       </p:sp>
+      <p:sp>
+        <p:nvSpPr>
+          <p:cNvPr id="157" name="Google Shape;157;g26361cd1314_0_0"/>
+          <p:cNvSpPr txBox="1"/>
+          <p:nvPr>
+            <p:ph idx="12" type="sldNum"/>
+          </p:nvPr>
+        </p:nvSpPr>
+        <p:spPr>
+          <a:xfrm>
+            <a:off x="9329530" y="6223828"/>
+            <a:ext cx="1706100" cy="365100"/>
+          </a:xfrm>
+          <a:prstGeom prst="rect">
+            <a:avLst/>
+          </a:prstGeom>
+        </p:spPr>
+        <p:txBody>
+          <a:bodyPr anchorCtr="0" anchor="ctr" bIns="45700" lIns="91425" spcFirstLastPara="1" rIns="91425" wrap="square" tIns="45700">
+            <a:noAutofit/>
+          </a:bodyPr>
+          <a:lstStyle/>
+          <a:p>
+            <a:pPr indent="0" lvl="0" marL="0" rtl="0" algn="r">
+              <a:spcBef>
+                <a:spcPts val="0"/>
+              </a:spcBef>
+              <a:spcAft>
+                <a:spcPts val="0"/>
+              </a:spcAft>
+              <a:buClr>
+                <a:srgbClr val="000000"/>
+              </a:buClr>
+              <a:buFont typeface="Arial"/>
+              <a:buNone/>
+            </a:pPr>
+            <a:fld id="{00000000-1234-1234-1234-123412341234}" type="slidenum">
+              <a:rPr lang="en-US"/>
+              <a:t>‹#›</a:t>
+            </a:fld>
+            <a:endParaRPr/>
+          </a:p>
+        </p:txBody>
+      </p:sp>
     </p:spTree>
   </p:cSld>
   <p:clrMapOvr>
@@ -12532,7 +12576,7 @@
   <p:cSld>
     <p:spTree>
       <p:nvGrpSpPr>
-        <p:cNvPr id="153" name="Shape 153"/>
+        <p:cNvPr id="161" name="Shape 161"/>
         <p:cNvGrpSpPr/>
         <p:nvPr/>
       </p:nvGrpSpPr>
@@ -12546,7 +12590,7 @@
       </p:grpSpPr>
       <p:sp>
         <p:nvSpPr>
-          <p:cNvPr id="154" name="Google Shape;154;g2635b20a010_0_38"/>
+          <p:cNvPr id="162" name="Google Shape;162;g2635b20a010_0_38"/>
           <p:cNvSpPr txBox="1"/>
           <p:nvPr>
             <p:ph type="title"/>
@@ -12596,6 +12640,50 @@
               <a:t/>
             </a:r>
             <a:endParaRPr sz="1200"/>
+          </a:p>
+        </p:txBody>
+      </p:sp>
+      <p:sp>
+        <p:nvSpPr>
+          <p:cNvPr id="163" name="Google Shape;163;g2635b20a010_0_38"/>
+          <p:cNvSpPr txBox="1"/>
+          <p:nvPr>
+            <p:ph idx="12" type="sldNum"/>
+          </p:nvPr>
+        </p:nvSpPr>
+        <p:spPr>
+          <a:xfrm>
+            <a:off x="9329530" y="6223828"/>
+            <a:ext cx="1706100" cy="365100"/>
+          </a:xfrm>
+          <a:prstGeom prst="rect">
+            <a:avLst/>
+          </a:prstGeom>
+        </p:spPr>
+        <p:txBody>
+          <a:bodyPr anchorCtr="0" anchor="ctr" bIns="45700" lIns="91425" spcFirstLastPara="1" rIns="91425" wrap="square" tIns="45700">
+            <a:noAutofit/>
+          </a:bodyPr>
+          <a:lstStyle/>
+          <a:p>
+            <a:pPr indent="0" lvl="0" marL="0" rtl="0" algn="r">
+              <a:spcBef>
+                <a:spcPts val="0"/>
+              </a:spcBef>
+              <a:spcAft>
+                <a:spcPts val="0"/>
+              </a:spcAft>
+              <a:buClr>
+                <a:srgbClr val="000000"/>
+              </a:buClr>
+              <a:buFont typeface="Arial"/>
+              <a:buNone/>
+            </a:pPr>
+            <a:fld id="{00000000-1234-1234-1234-123412341234}" type="slidenum">
+              <a:rPr lang="en-US"/>
+              <a:t>‹#›</a:t>
+            </a:fld>
+            <a:endParaRPr/>
           </a:p>
         </p:txBody>
       </p:sp>
@@ -12936,6 +13024,50 @@
           </a:p>
         </p:txBody>
       </p:sp>
+      <p:sp>
+        <p:nvSpPr>
+          <p:cNvPr id="97" name="Google Shape;97;g2635cd5342a_2_0"/>
+          <p:cNvSpPr txBox="1"/>
+          <p:nvPr>
+            <p:ph idx="12" type="sldNum"/>
+          </p:nvPr>
+        </p:nvSpPr>
+        <p:spPr>
+          <a:xfrm>
+            <a:off x="9329530" y="6223828"/>
+            <a:ext cx="1706100" cy="365100"/>
+          </a:xfrm>
+          <a:prstGeom prst="rect">
+            <a:avLst/>
+          </a:prstGeom>
+        </p:spPr>
+        <p:txBody>
+          <a:bodyPr anchorCtr="0" anchor="ctr" bIns="45700" lIns="91425" spcFirstLastPara="1" rIns="91425" wrap="square" tIns="45700">
+            <a:noAutofit/>
+          </a:bodyPr>
+          <a:lstStyle/>
+          <a:p>
+            <a:pPr indent="0" lvl="0" marL="0" rtl="0" algn="r">
+              <a:spcBef>
+                <a:spcPts val="0"/>
+              </a:spcBef>
+              <a:spcAft>
+                <a:spcPts val="0"/>
+              </a:spcAft>
+              <a:buClr>
+                <a:srgbClr val="000000"/>
+              </a:buClr>
+              <a:buFont typeface="Arial"/>
+              <a:buNone/>
+            </a:pPr>
+            <a:fld id="{00000000-1234-1234-1234-123412341234}" type="slidenum">
+              <a:rPr lang="en-US"/>
+              <a:t>‹#›</a:t>
+            </a:fld>
+            <a:endParaRPr/>
+          </a:p>
+        </p:txBody>
+      </p:sp>
     </p:spTree>
   </p:cSld>
   <p:clrMapOvr>
@@ -12949,7 +13081,7 @@
   <p:cSld>
     <p:spTree>
       <p:nvGrpSpPr>
-        <p:cNvPr id="100" name="Shape 100"/>
+        <p:cNvPr id="101" name="Shape 101"/>
         <p:cNvGrpSpPr/>
         <p:nvPr/>
       </p:nvGrpSpPr>
@@ -12963,7 +13095,7 @@
       </p:grpSpPr>
       <p:sp>
         <p:nvSpPr>
-          <p:cNvPr id="101" name="Google Shape;101;g2635b20a010_0_54"/>
+          <p:cNvPr id="102" name="Google Shape;102;g2635b20a010_0_54"/>
           <p:cNvSpPr txBox="1"/>
           <p:nvPr>
             <p:ph type="title"/>
@@ -13023,7 +13155,7 @@
       </p:sp>
       <p:sp>
         <p:nvSpPr>
-          <p:cNvPr id="102" name="Google Shape;102;g2635b20a010_0_54"/>
+          <p:cNvPr id="103" name="Google Shape;103;g2635b20a010_0_54"/>
           <p:cNvSpPr txBox="1"/>
           <p:nvPr>
             <p:ph idx="1" type="body"/>
@@ -13075,6 +13207,50 @@
           </a:p>
         </p:txBody>
       </p:sp>
+      <p:sp>
+        <p:nvSpPr>
+          <p:cNvPr id="104" name="Google Shape;104;g2635b20a010_0_54"/>
+          <p:cNvSpPr txBox="1"/>
+          <p:nvPr>
+            <p:ph idx="12" type="sldNum"/>
+          </p:nvPr>
+        </p:nvSpPr>
+        <p:spPr>
+          <a:xfrm>
+            <a:off x="9329530" y="6223828"/>
+            <a:ext cx="1706100" cy="365100"/>
+          </a:xfrm>
+          <a:prstGeom prst="rect">
+            <a:avLst/>
+          </a:prstGeom>
+        </p:spPr>
+        <p:txBody>
+          <a:bodyPr anchorCtr="0" anchor="ctr" bIns="45700" lIns="91425" spcFirstLastPara="1" rIns="91425" wrap="square" tIns="45700">
+            <a:noAutofit/>
+          </a:bodyPr>
+          <a:lstStyle/>
+          <a:p>
+            <a:pPr indent="0" lvl="0" marL="0" rtl="0" algn="r">
+              <a:spcBef>
+                <a:spcPts val="0"/>
+              </a:spcBef>
+              <a:spcAft>
+                <a:spcPts val="0"/>
+              </a:spcAft>
+              <a:buClr>
+                <a:srgbClr val="000000"/>
+              </a:buClr>
+              <a:buFont typeface="Arial"/>
+              <a:buNone/>
+            </a:pPr>
+            <a:fld id="{00000000-1234-1234-1234-123412341234}" type="slidenum">
+              <a:rPr lang="en-US"/>
+              <a:t>‹#›</a:t>
+            </a:fld>
+            <a:endParaRPr/>
+          </a:p>
+        </p:txBody>
+      </p:sp>
     </p:spTree>
   </p:cSld>
   <p:clrMapOvr>
@@ -13095,7 +13271,7 @@
     </p:bg>
     <p:spTree>
       <p:nvGrpSpPr>
-        <p:cNvPr id="106" name="Shape 106"/>
+        <p:cNvPr id="108" name="Shape 108"/>
         <p:cNvGrpSpPr/>
         <p:nvPr/>
       </p:nvGrpSpPr>
@@ -13109,7 +13285,7 @@
       </p:grpSpPr>
       <p:sp>
         <p:nvSpPr>
-          <p:cNvPr id="107" name="Google Shape;107;p3"/>
+          <p:cNvPr id="109" name="Google Shape;109;p3"/>
           <p:cNvSpPr/>
           <p:nvPr/>
         </p:nvSpPr>
@@ -13160,7 +13336,7 @@
       </p:sp>
       <p:sp>
         <p:nvSpPr>
-          <p:cNvPr id="108" name="Google Shape;108;p3"/>
+          <p:cNvPr id="110" name="Google Shape;110;p3"/>
           <p:cNvSpPr/>
           <p:nvPr/>
         </p:nvSpPr>
@@ -13211,7 +13387,7 @@
       </p:sp>
       <p:sp>
         <p:nvSpPr>
-          <p:cNvPr id="109" name="Google Shape;109;p3"/>
+          <p:cNvPr id="111" name="Google Shape;111;p3"/>
           <p:cNvSpPr/>
           <p:nvPr/>
         </p:nvSpPr>
@@ -13262,7 +13438,7 @@
       </p:sp>
       <p:sp>
         <p:nvSpPr>
-          <p:cNvPr id="110" name="Google Shape;110;p3"/>
+          <p:cNvPr id="112" name="Google Shape;112;p3"/>
           <p:cNvSpPr txBox="1"/>
           <p:nvPr>
             <p:ph type="title"/>
@@ -13318,7 +13494,7 @@
       </p:sp>
       <p:sp>
         <p:nvSpPr>
-          <p:cNvPr id="111" name="Google Shape;111;p3"/>
+          <p:cNvPr id="113" name="Google Shape;113;p3"/>
           <p:cNvSpPr txBox="1"/>
           <p:nvPr/>
         </p:nvSpPr>
@@ -13395,50 +13571,44 @@
       </p:sp>
       <p:sp>
         <p:nvSpPr>
-          <p:cNvPr id="112" name="Google Shape;112;p3"/>
+          <p:cNvPr id="114" name="Google Shape;114;p3"/>
           <p:cNvSpPr txBox="1"/>
-          <p:nvPr/>
+          <p:nvPr>
+            <p:ph idx="12" type="sldNum"/>
+          </p:nvPr>
         </p:nvSpPr>
         <p:spPr>
           <a:xfrm>
-            <a:off x="4872709" y="5885299"/>
-            <a:ext cx="3725106" cy="369332"/>
+            <a:off x="9329530" y="6223828"/>
+            <a:ext cx="1706100" cy="365100"/>
           </a:xfrm>
           <a:prstGeom prst="rect">
             <a:avLst/>
           </a:prstGeom>
-          <a:noFill/>
-          <a:ln>
-            <a:noFill/>
-          </a:ln>
         </p:spPr>
         <p:txBody>
-          <a:bodyPr anchorCtr="0" anchor="t" bIns="45700" lIns="91425" spcFirstLastPara="1" rIns="91425" wrap="square" tIns="45700">
-            <a:spAutoFit/>
+          <a:bodyPr anchorCtr="0" anchor="ctr" bIns="45700" lIns="91425" spcFirstLastPara="1" rIns="91425" wrap="square" tIns="45700">
+            <a:noAutofit/>
           </a:bodyPr>
           <a:lstStyle/>
           <a:p>
-            <a:pPr indent="0" lvl="0" marL="0" marR="0" rtl="0" algn="l">
-              <a:spcBef>
-                <a:spcPts val="0"/>
-              </a:spcBef>
-              <a:spcAft>
-                <a:spcPts val="0"/>
-              </a:spcAft>
+            <a:pPr indent="0" lvl="0" marL="0" rtl="0" algn="r">
+              <a:spcBef>
+                <a:spcPts val="0"/>
+              </a:spcBef>
+              <a:spcAft>
+                <a:spcPts val="0"/>
+              </a:spcAft>
+              <a:buClr>
+                <a:srgbClr val="000000"/>
+              </a:buClr>
+              <a:buFont typeface="Arial"/>
               <a:buNone/>
             </a:pPr>
-            <a:r>
-              <a:rPr lang="en-US" sz="1800">
-                <a:solidFill>
-                  <a:schemeClr val="dk1"/>
-                </a:solidFill>
-                <a:latin typeface="Corbel"/>
-                <a:ea typeface="Corbel"/>
-                <a:cs typeface="Corbel"/>
-                <a:sym typeface="Corbel"/>
-              </a:rPr>
-              <a:t>Keyword: Transfer Learning, Ex-AI</a:t>
-            </a:r>
+            <a:fld id="{00000000-1234-1234-1234-123412341234}" type="slidenum">
+              <a:rPr lang="en-US"/>
+              <a:t>‹#›</a:t>
+            </a:fld>
             <a:endParaRPr/>
           </a:p>
         </p:txBody>
@@ -13456,7 +13626,7 @@
   <p:cSld>
     <p:spTree>
       <p:nvGrpSpPr>
-        <p:cNvPr id="116" name="Shape 116"/>
+        <p:cNvPr id="118" name="Shape 118"/>
         <p:cNvGrpSpPr/>
         <p:nvPr/>
       </p:nvGrpSpPr>
@@ -13470,7 +13640,7 @@
       </p:grpSpPr>
       <p:sp>
         <p:nvSpPr>
-          <p:cNvPr id="117" name="Google Shape;117;g2635b20a010_0_4"/>
+          <p:cNvPr id="119" name="Google Shape;119;g2635b20a010_0_4"/>
           <p:cNvSpPr txBox="1"/>
           <p:nvPr>
             <p:ph type="title"/>
@@ -13510,7 +13680,7 @@
       </p:sp>
       <p:sp>
         <p:nvSpPr>
-          <p:cNvPr id="118" name="Google Shape;118;g2635b20a010_0_4"/>
+          <p:cNvPr id="120" name="Google Shape;120;g2635b20a010_0_4"/>
           <p:cNvSpPr txBox="1"/>
           <p:nvPr>
             <p:ph idx="1" type="body"/>
@@ -13631,6 +13801,50 @@
           </a:p>
         </p:txBody>
       </p:sp>
+      <p:sp>
+        <p:nvSpPr>
+          <p:cNvPr id="121" name="Google Shape;121;g2635b20a010_0_4"/>
+          <p:cNvSpPr txBox="1"/>
+          <p:nvPr>
+            <p:ph idx="12" type="sldNum"/>
+          </p:nvPr>
+        </p:nvSpPr>
+        <p:spPr>
+          <a:xfrm>
+            <a:off x="9329530" y="6223828"/>
+            <a:ext cx="1706100" cy="365100"/>
+          </a:xfrm>
+          <a:prstGeom prst="rect">
+            <a:avLst/>
+          </a:prstGeom>
+        </p:spPr>
+        <p:txBody>
+          <a:bodyPr anchorCtr="0" anchor="ctr" bIns="45700" lIns="91425" spcFirstLastPara="1" rIns="91425" wrap="square" tIns="45700">
+            <a:noAutofit/>
+          </a:bodyPr>
+          <a:lstStyle/>
+          <a:p>
+            <a:pPr indent="0" lvl="0" marL="0" rtl="0" algn="r">
+              <a:spcBef>
+                <a:spcPts val="0"/>
+              </a:spcBef>
+              <a:spcAft>
+                <a:spcPts val="0"/>
+              </a:spcAft>
+              <a:buClr>
+                <a:srgbClr val="000000"/>
+              </a:buClr>
+              <a:buFont typeface="Arial"/>
+              <a:buNone/>
+            </a:pPr>
+            <a:fld id="{00000000-1234-1234-1234-123412341234}" type="slidenum">
+              <a:rPr lang="en-US"/>
+              <a:t>‹#›</a:t>
+            </a:fld>
+            <a:endParaRPr/>
+          </a:p>
+        </p:txBody>
+      </p:sp>
     </p:spTree>
   </p:cSld>
   <p:clrMapOvr>
@@ -13644,7 +13858,7 @@
   <p:cSld>
     <p:spTree>
       <p:nvGrpSpPr>
-        <p:cNvPr id="122" name="Shape 122"/>
+        <p:cNvPr id="125" name="Shape 125"/>
         <p:cNvGrpSpPr/>
         <p:nvPr/>
       </p:nvGrpSpPr>
@@ -13658,7 +13872,7 @@
       </p:grpSpPr>
       <p:sp>
         <p:nvSpPr>
-          <p:cNvPr id="123" name="Google Shape;123;g2635b20a010_0_11"/>
+          <p:cNvPr id="126" name="Google Shape;126;g2635b20a010_0_11"/>
           <p:cNvSpPr txBox="1"/>
           <p:nvPr>
             <p:ph type="title"/>
@@ -13698,7 +13912,7 @@
       </p:sp>
       <p:sp>
         <p:nvSpPr>
-          <p:cNvPr id="124" name="Google Shape;124;g2635b20a010_0_11"/>
+          <p:cNvPr id="127" name="Google Shape;127;g2635b20a010_0_11"/>
           <p:cNvSpPr txBox="1"/>
           <p:nvPr>
             <p:ph idx="1" type="body"/>
@@ -13793,6 +14007,50 @@
           </a:p>
         </p:txBody>
       </p:sp>
+      <p:sp>
+        <p:nvSpPr>
+          <p:cNvPr id="128" name="Google Shape;128;g2635b20a010_0_11"/>
+          <p:cNvSpPr txBox="1"/>
+          <p:nvPr>
+            <p:ph idx="12" type="sldNum"/>
+          </p:nvPr>
+        </p:nvSpPr>
+        <p:spPr>
+          <a:xfrm>
+            <a:off x="9329530" y="6223828"/>
+            <a:ext cx="1706100" cy="365100"/>
+          </a:xfrm>
+          <a:prstGeom prst="rect">
+            <a:avLst/>
+          </a:prstGeom>
+        </p:spPr>
+        <p:txBody>
+          <a:bodyPr anchorCtr="0" anchor="ctr" bIns="45700" lIns="91425" spcFirstLastPara="1" rIns="91425" wrap="square" tIns="45700">
+            <a:noAutofit/>
+          </a:bodyPr>
+          <a:lstStyle/>
+          <a:p>
+            <a:pPr indent="0" lvl="0" marL="0" rtl="0" algn="r">
+              <a:spcBef>
+                <a:spcPts val="0"/>
+              </a:spcBef>
+              <a:spcAft>
+                <a:spcPts val="0"/>
+              </a:spcAft>
+              <a:buClr>
+                <a:srgbClr val="000000"/>
+              </a:buClr>
+              <a:buFont typeface="Arial"/>
+              <a:buNone/>
+            </a:pPr>
+            <a:fld id="{00000000-1234-1234-1234-123412341234}" type="slidenum">
+              <a:rPr lang="en-US"/>
+              <a:t>‹#›</a:t>
+            </a:fld>
+            <a:endParaRPr/>
+          </a:p>
+        </p:txBody>
+      </p:sp>
     </p:spTree>
   </p:cSld>
   <p:clrMapOvr>
@@ -13806,7 +14064,7 @@
   <p:cSld>
     <p:spTree>
       <p:nvGrpSpPr>
-        <p:cNvPr id="128" name="Shape 128"/>
+        <p:cNvPr id="132" name="Shape 132"/>
         <p:cNvGrpSpPr/>
         <p:nvPr/>
       </p:nvGrpSpPr>
@@ -13820,7 +14078,7 @@
       </p:grpSpPr>
       <p:sp>
         <p:nvSpPr>
-          <p:cNvPr id="129" name="Google Shape;129;g2635b20a010_0_16"/>
+          <p:cNvPr id="133" name="Google Shape;133;g2635b20a010_0_16"/>
           <p:cNvSpPr txBox="1"/>
           <p:nvPr>
             <p:ph type="title"/>
@@ -13860,7 +14118,7 @@
       </p:sp>
       <p:sp>
         <p:nvSpPr>
-          <p:cNvPr id="130" name="Google Shape;130;g2635b20a010_0_16"/>
+          <p:cNvPr id="134" name="Google Shape;134;g2635b20a010_0_16"/>
           <p:cNvSpPr txBox="1"/>
           <p:nvPr>
             <p:ph idx="1" type="body"/>
@@ -13968,7 +14226,7 @@
       </p:sp>
       <p:pic>
         <p:nvPicPr>
-          <p:cNvPr id="131" name="Google Shape;131;g2635b20a010_0_16"/>
+          <p:cNvPr id="135" name="Google Shape;135;g2635b20a010_0_16"/>
           <p:cNvPicPr preferRelativeResize="0"/>
           <p:nvPr>
             <p:ph idx="2" type="pic"/>
@@ -13991,6 +14249,50 @@
           </a:prstGeom>
         </p:spPr>
       </p:pic>
+      <p:sp>
+        <p:nvSpPr>
+          <p:cNvPr id="136" name="Google Shape;136;g2635b20a010_0_16"/>
+          <p:cNvSpPr txBox="1"/>
+          <p:nvPr>
+            <p:ph idx="12" type="sldNum"/>
+          </p:nvPr>
+        </p:nvSpPr>
+        <p:spPr>
+          <a:xfrm>
+            <a:off x="9329530" y="6223828"/>
+            <a:ext cx="1706100" cy="365100"/>
+          </a:xfrm>
+          <a:prstGeom prst="rect">
+            <a:avLst/>
+          </a:prstGeom>
+        </p:spPr>
+        <p:txBody>
+          <a:bodyPr anchorCtr="0" anchor="ctr" bIns="45700" lIns="91425" spcFirstLastPara="1" rIns="91425" wrap="square" tIns="45700">
+            <a:noAutofit/>
+          </a:bodyPr>
+          <a:lstStyle/>
+          <a:p>
+            <a:pPr indent="0" lvl="0" marL="0" rtl="0" algn="r">
+              <a:spcBef>
+                <a:spcPts val="0"/>
+              </a:spcBef>
+              <a:spcAft>
+                <a:spcPts val="0"/>
+              </a:spcAft>
+              <a:buClr>
+                <a:srgbClr val="000000"/>
+              </a:buClr>
+              <a:buFont typeface="Arial"/>
+              <a:buNone/>
+            </a:pPr>
+            <a:fld id="{00000000-1234-1234-1234-123412341234}" type="slidenum">
+              <a:rPr lang="en-US"/>
+              <a:t>‹#›</a:t>
+            </a:fld>
+            <a:endParaRPr/>
+          </a:p>
+        </p:txBody>
+      </p:sp>
     </p:spTree>
   </p:cSld>
   <p:clrMapOvr>
@@ -14004,7 +14306,7 @@
   <p:cSld>
     <p:spTree>
       <p:nvGrpSpPr>
-        <p:cNvPr id="135" name="Shape 135"/>
+        <p:cNvPr id="140" name="Shape 140"/>
         <p:cNvGrpSpPr/>
         <p:nvPr/>
       </p:nvGrpSpPr>
@@ -14018,7 +14320,7 @@
       </p:grpSpPr>
       <p:sp>
         <p:nvSpPr>
-          <p:cNvPr id="136" name="Google Shape;136;g2635b20a010_0_22"/>
+          <p:cNvPr id="141" name="Google Shape;141;g2635b20a010_0_22"/>
           <p:cNvSpPr txBox="1"/>
           <p:nvPr>
             <p:ph type="title"/>
@@ -14058,7 +14360,7 @@
       </p:sp>
       <p:sp>
         <p:nvSpPr>
-          <p:cNvPr id="137" name="Google Shape;137;g2635b20a010_0_22"/>
+          <p:cNvPr id="142" name="Google Shape;142;g2635b20a010_0_22"/>
           <p:cNvSpPr txBox="1"/>
           <p:nvPr>
             <p:ph idx="1" type="body"/>
@@ -14179,6 +14481,50 @@
           </a:p>
         </p:txBody>
       </p:sp>
+      <p:sp>
+        <p:nvSpPr>
+          <p:cNvPr id="143" name="Google Shape;143;g2635b20a010_0_22"/>
+          <p:cNvSpPr txBox="1"/>
+          <p:nvPr>
+            <p:ph idx="12" type="sldNum"/>
+          </p:nvPr>
+        </p:nvSpPr>
+        <p:spPr>
+          <a:xfrm>
+            <a:off x="9329530" y="6223828"/>
+            <a:ext cx="1706100" cy="365100"/>
+          </a:xfrm>
+          <a:prstGeom prst="rect">
+            <a:avLst/>
+          </a:prstGeom>
+        </p:spPr>
+        <p:txBody>
+          <a:bodyPr anchorCtr="0" anchor="ctr" bIns="45700" lIns="91425" spcFirstLastPara="1" rIns="91425" wrap="square" tIns="45700">
+            <a:noAutofit/>
+          </a:bodyPr>
+          <a:lstStyle/>
+          <a:p>
+            <a:pPr indent="0" lvl="0" marL="0" rtl="0" algn="r">
+              <a:spcBef>
+                <a:spcPts val="0"/>
+              </a:spcBef>
+              <a:spcAft>
+                <a:spcPts val="0"/>
+              </a:spcAft>
+              <a:buClr>
+                <a:srgbClr val="000000"/>
+              </a:buClr>
+              <a:buFont typeface="Arial"/>
+              <a:buNone/>
+            </a:pPr>
+            <a:fld id="{00000000-1234-1234-1234-123412341234}" type="slidenum">
+              <a:rPr lang="en-US"/>
+              <a:t>‹#›</a:t>
+            </a:fld>
+            <a:endParaRPr/>
+          </a:p>
+        </p:txBody>
+      </p:sp>
     </p:spTree>
   </p:cSld>
   <p:clrMapOvr>
@@ -14192,7 +14538,7 @@
   <p:cSld>
     <p:spTree>
       <p:nvGrpSpPr>
-        <p:cNvPr id="141" name="Shape 141"/>
+        <p:cNvPr id="147" name="Shape 147"/>
         <p:cNvGrpSpPr/>
         <p:nvPr/>
       </p:nvGrpSpPr>
@@ -14206,7 +14552,7 @@
       </p:grpSpPr>
       <p:sp>
         <p:nvSpPr>
-          <p:cNvPr id="142" name="Google Shape;142;g2635b20a010_0_28"/>
+          <p:cNvPr id="148" name="Google Shape;148;g2635b20a010_0_28"/>
           <p:cNvSpPr txBox="1"/>
           <p:nvPr>
             <p:ph type="title"/>
@@ -14246,7 +14592,7 @@
       </p:sp>
       <p:sp>
         <p:nvSpPr>
-          <p:cNvPr id="143" name="Google Shape;143;g2635b20a010_0_28"/>
+          <p:cNvPr id="149" name="Google Shape;149;g2635b20a010_0_28"/>
           <p:cNvSpPr txBox="1"/>
           <p:nvPr>
             <p:ph idx="1" type="body"/>
@@ -14294,6 +14640,106 @@
               </a:solidFill>
             </a:endParaRPr>
           </a:p>
+          <a:p>
+            <a:pPr indent="-320040" lvl="0" marL="457200" rtl="0" algn="l">
+              <a:spcBef>
+                <a:spcPts val="0"/>
+              </a:spcBef>
+              <a:spcAft>
+                <a:spcPts val="0"/>
+              </a:spcAft>
+              <a:buClr>
+                <a:schemeClr val="dk1"/>
+              </a:buClr>
+              <a:buSzPts val="1440"/>
+              <a:buChar char="•"/>
+            </a:pPr>
+            <a:r>
+              <a:rPr lang="en-US">
+                <a:solidFill>
+                  <a:schemeClr val="dk1"/>
+                </a:solidFill>
+              </a:rPr>
+              <a:t>Not only one type of plant based works.</a:t>
+            </a:r>
+            <a:endParaRPr>
+              <a:solidFill>
+                <a:schemeClr val="dk1"/>
+              </a:solidFill>
+            </a:endParaRPr>
+          </a:p>
+          <a:p>
+            <a:pPr indent="-320040" lvl="0" marL="457200" rtl="0" algn="l">
+              <a:spcBef>
+                <a:spcPts val="0"/>
+              </a:spcBef>
+              <a:spcAft>
+                <a:spcPts val="0"/>
+              </a:spcAft>
+              <a:buClr>
+                <a:schemeClr val="dk1"/>
+              </a:buClr>
+              <a:buSzPts val="1440"/>
+              <a:buChar char="•"/>
+            </a:pPr>
+            <a:r>
+              <a:rPr lang="en-US">
+                <a:solidFill>
+                  <a:schemeClr val="dk1"/>
+                </a:solidFill>
+              </a:rPr>
+              <a:t>Not enough works with plant disease types.</a:t>
+            </a:r>
+            <a:endParaRPr>
+              <a:solidFill>
+                <a:schemeClr val="dk1"/>
+              </a:solidFill>
+            </a:endParaRPr>
+          </a:p>
+        </p:txBody>
+      </p:sp>
+      <p:sp>
+        <p:nvSpPr>
+          <p:cNvPr id="150" name="Google Shape;150;g2635b20a010_0_28"/>
+          <p:cNvSpPr txBox="1"/>
+          <p:nvPr>
+            <p:ph idx="12" type="sldNum"/>
+          </p:nvPr>
+        </p:nvSpPr>
+        <p:spPr>
+          <a:xfrm>
+            <a:off x="9329530" y="6223828"/>
+            <a:ext cx="1706100" cy="365100"/>
+          </a:xfrm>
+          <a:prstGeom prst="rect">
+            <a:avLst/>
+          </a:prstGeom>
+        </p:spPr>
+        <p:txBody>
+          <a:bodyPr anchorCtr="0" anchor="ctr" bIns="45700" lIns="91425" spcFirstLastPara="1" rIns="91425" wrap="square" tIns="45700">
+            <a:noAutofit/>
+          </a:bodyPr>
+          <a:lstStyle/>
+          <a:p>
+            <a:pPr indent="0" lvl="0" marL="0" rtl="0" algn="r">
+              <a:spcBef>
+                <a:spcPts val="0"/>
+              </a:spcBef>
+              <a:spcAft>
+                <a:spcPts val="0"/>
+              </a:spcAft>
+              <a:buClr>
+                <a:srgbClr val="000000"/>
+              </a:buClr>
+              <a:buFont typeface="Arial"/>
+              <a:buNone/>
+            </a:pPr>
+            <a:fld id="{00000000-1234-1234-1234-123412341234}" type="slidenum">
+              <a:rPr lang="en-US"/>
+              <a:t>‹#›</a:t>
+            </a:fld>
+            <a:endParaRPr/>
+          </a:p>
         </p:txBody>
       </p:sp>
     </p:spTree>
@@ -14305,6 +14751,285 @@
 </file>
 
 <file path=ppt/theme/theme1.xml><?xml version="1.0" encoding="utf-8"?>
+<a:theme xmlns:a="http://schemas.openxmlformats.org/drawingml/2006/main" xmlns:r="http://schemas.openxmlformats.org/officeDocument/2006/relationships" name="Basis">
+  <a:themeElements>
+    <a:clrScheme name="Basis">
+      <a:dk1>
+        <a:srgbClr val="000000"/>
+      </a:dk1>
+      <a:lt1>
+        <a:srgbClr val="FFFFFF"/>
+      </a:lt1>
+      <a:dk2>
+        <a:srgbClr val="565349"/>
+      </a:dk2>
+      <a:lt2>
+        <a:srgbClr val="DDDDDD"/>
+      </a:lt2>
+      <a:accent1>
+        <a:srgbClr val="A6B727"/>
+      </a:accent1>
+      <a:accent2>
+        <a:srgbClr val="DF5327"/>
+      </a:accent2>
+      <a:accent3>
+        <a:srgbClr val="FE9E00"/>
+      </a:accent3>
+      <a:accent4>
+        <a:srgbClr val="418AB3"/>
+      </a:accent4>
+      <a:accent5>
+        <a:srgbClr val="D7D447"/>
+      </a:accent5>
+      <a:accent6>
+        <a:srgbClr val="818183"/>
+      </a:accent6>
+      <a:hlink>
+        <a:srgbClr val="F59E00"/>
+      </a:hlink>
+      <a:folHlink>
+        <a:srgbClr val="B2B2B2"/>
+      </a:folHlink>
+    </a:clrScheme>
+    <a:fontScheme name="Office">
+      <a:majorFont>
+        <a:latin typeface="Arial"/>
+        <a:ea typeface=""/>
+        <a:cs typeface=""/>
+        <a:font script="Jpan" typeface="ＭＳ Ｐゴシック"/>
+        <a:font script="Hang" typeface="맑은 고딕"/>
+        <a:font script="Hans" typeface="宋体"/>
+        <a:font script="Hant" typeface="新細明體"/>
+        <a:font script="Arab" typeface="Times New Roman"/>
+        <a:font script="Hebr" typeface="Times New Roman"/>
+        <a:font script="Thai" typeface="Angsana New"/>
+        <a:font script="Ethi" typeface="Nyala"/>
+        <a:font script="Beng" typeface="Vrinda"/>
+        <a:font script="Gujr" typeface="Shruti"/>
+        <a:font script="Khmr" typeface="MoolBoran"/>
+        <a:font script="Knda" typeface="Tunga"/>
+        <a:font script="Guru" typeface="Raavi"/>
+        <a:font script="Cans" typeface="Euphemia"/>
+        <a:font script="Cher" typeface="Plantagenet Cherokee"/>
+        <a:font script="Yiii" typeface="Microsoft Yi Baiti"/>
+        <a:font script="Tibt" typeface="Microsoft Himalaya"/>
+        <a:font script="Thaa" typeface="MV Boli"/>
+        <a:font script="Deva" typeface="Mangal"/>
+        <a:font script="Telu" typeface="Gautami"/>
+        <a:font script="Taml" typeface="Latha"/>
+        <a:font script="Syrc" typeface="Estrangelo Edessa"/>
+        <a:font script="Orya" typeface="Kalinga"/>
+        <a:font script="Mlym" typeface="Kartika"/>
+        <a:font script="Laoo" typeface="DokChampa"/>
+        <a:font script="Sinh" typeface="Iskoola Pota"/>
+        <a:font script="Mong" typeface="Mongolian Baiti"/>
+        <a:font script="Viet" typeface="Times New Roman"/>
+        <a:font script="Uigh" typeface="Microsoft Uighur"/>
+        <a:font script="Geor" typeface="Sylfaen"/>
+      </a:majorFont>
+      <a:minorFont>
+        <a:latin typeface="Arial"/>
+        <a:ea typeface=""/>
+        <a:cs typeface=""/>
+        <a:font script="Jpan" typeface="ＭＳ Ｐゴシック"/>
+        <a:font script="Hang" typeface="맑은 고딕"/>
+        <a:font script="Hans" typeface="宋体"/>
+        <a:font script="Hant" typeface="新細明體"/>
+        <a:font script="Arab" typeface="Arial"/>
+        <a:font script="Hebr" typeface="Arial"/>
+        <a:font script="Thai" typeface="Cordia New"/>
+        <a:font script="Ethi" typeface="Nyala"/>
+        <a:font script="Beng" typeface="Vrinda"/>
+        <a:font script="Gujr" typeface="Shruti"/>
+        <a:font script="Khmr" typeface="DaunPenh"/>
+        <a:font script="Knda" typeface="Tunga"/>
+        <a:font script="Guru" typeface="Raavi"/>
+        <a:font script="Cans" typeface="Euphemia"/>
+        <a:font script="Cher" typeface="Plantagenet Cherokee"/>
+        <a:font script="Yiii" typeface="Microsoft Yi Baiti"/>
+        <a:font script="Tibt" typeface="Microsoft Himalaya"/>
+        <a:font script="Thaa" typeface="MV Boli"/>
+        <a:font script="Deva" typeface="Mangal"/>
+        <a:font script="Telu" typeface="Gautami"/>
+        <a:font script="Taml" typeface="Latha"/>
+        <a:font script="Syrc" typeface="Estrangelo Edessa"/>
+        <a:font script="Orya" typeface="Kalinga"/>
+        <a:font script="Mlym" typeface="Kartika"/>
+        <a:font script="Laoo" typeface="DokChampa"/>
+        <a:font script="Sinh" typeface="Iskoola Pota"/>
+        <a:font script="Mong" typeface="Mongolian Baiti"/>
+        <a:font script="Viet" typeface="Arial"/>
+        <a:font script="Uigh" typeface="Microsoft Uighur"/>
+        <a:font script="Geor" typeface="Sylfaen"/>
+      </a:minorFont>
+    </a:fontScheme>
+    <a:fmtScheme name="Office">
+      <a:fillStyleLst>
+        <a:solidFill>
+          <a:schemeClr val="phClr"/>
+        </a:solidFill>
+        <a:gradFill rotWithShape="1">
+          <a:gsLst>
+            <a:gs pos="0">
+              <a:schemeClr val="phClr">
+                <a:tint val="50000"/>
+                <a:satMod val="300000"/>
+              </a:schemeClr>
+            </a:gs>
+            <a:gs pos="35000">
+              <a:schemeClr val="phClr">
+                <a:tint val="37000"/>
+                <a:satMod val="300000"/>
+              </a:schemeClr>
+            </a:gs>
+            <a:gs pos="100000">
+              <a:schemeClr val="phClr">
+                <a:tint val="15000"/>
+                <a:satMod val="350000"/>
+              </a:schemeClr>
+            </a:gs>
+          </a:gsLst>
+          <a:lin ang="16200000" scaled="1"/>
+        </a:gradFill>
+        <a:gradFill rotWithShape="1">
+          <a:gsLst>
+            <a:gs pos="0">
+              <a:schemeClr val="phClr">
+                <a:tint val="100000"/>
+                <a:shade val="100000"/>
+                <a:satMod val="130000"/>
+              </a:schemeClr>
+            </a:gs>
+            <a:gs pos="100000">
+              <a:schemeClr val="phClr">
+                <a:tint val="50000"/>
+                <a:shade val="100000"/>
+                <a:satMod val="350000"/>
+              </a:schemeClr>
+            </a:gs>
+          </a:gsLst>
+          <a:lin ang="16200000" scaled="0"/>
+        </a:gradFill>
+      </a:fillStyleLst>
+      <a:lnStyleLst>
+        <a:ln w="9525" cap="flat" cmpd="sng" algn="ctr">
+          <a:solidFill>
+            <a:schemeClr val="phClr">
+              <a:shade val="95000"/>
+              <a:satMod val="105000"/>
+            </a:schemeClr>
+          </a:solidFill>
+          <a:prstDash val="solid"/>
+        </a:ln>
+        <a:ln w="25400" cap="flat" cmpd="sng" algn="ctr">
+          <a:solidFill>
+            <a:schemeClr val="phClr"/>
+          </a:solidFill>
+          <a:prstDash val="solid"/>
+        </a:ln>
+        <a:ln w="38100" cap="flat" cmpd="sng" algn="ctr">
+          <a:solidFill>
+            <a:schemeClr val="phClr"/>
+          </a:solidFill>
+          <a:prstDash val="solid"/>
+        </a:ln>
+      </a:lnStyleLst>
+      <a:effectStyleLst>
+        <a:effectStyle>
+          <a:effectLst>
+            <a:outerShdw blurRad="40000" dist="20000" dir="5400000" rotWithShape="0">
+              <a:srgbClr val="000000">
+                <a:alpha val="38000"/>
+              </a:srgbClr>
+            </a:outerShdw>
+          </a:effectLst>
+        </a:effectStyle>
+        <a:effectStyle>
+          <a:effectLst>
+            <a:outerShdw blurRad="40000" dist="23000" dir="5400000" rotWithShape="0">
+              <a:srgbClr val="000000">
+                <a:alpha val="35000"/>
+              </a:srgbClr>
+            </a:outerShdw>
+          </a:effectLst>
+        </a:effectStyle>
+        <a:effectStyle>
+          <a:effectLst>
+            <a:outerShdw blurRad="40000" dist="23000" dir="5400000" rotWithShape="0">
+              <a:srgbClr val="000000">
+                <a:alpha val="35000"/>
+              </a:srgbClr>
+            </a:outerShdw>
+          </a:effectLst>
+          <a:scene3d>
+            <a:camera prst="orthographicFront">
+              <a:rot lat="0" lon="0" rev="0"/>
+            </a:camera>
+            <a:lightRig rig="threePt" dir="t">
+              <a:rot lat="0" lon="0" rev="1200000"/>
+            </a:lightRig>
+          </a:scene3d>
+          <a:sp3d>
+            <a:bevelT w="63500" h="25400"/>
+          </a:sp3d>
+        </a:effectStyle>
+      </a:effectStyleLst>
+      <a:bgFillStyleLst>
+        <a:solidFill>
+          <a:schemeClr val="phClr"/>
+        </a:solidFill>
+        <a:gradFill rotWithShape="1">
+          <a:gsLst>
+            <a:gs pos="0">
+              <a:schemeClr val="phClr">
+                <a:tint val="40000"/>
+                <a:satMod val="350000"/>
+              </a:schemeClr>
+            </a:gs>
+            <a:gs pos="40000">
+              <a:schemeClr val="phClr">
+                <a:tint val="45000"/>
+                <a:shade val="99000"/>
+                <a:satMod val="350000"/>
+              </a:schemeClr>
+            </a:gs>
+            <a:gs pos="100000">
+              <a:schemeClr val="phClr">
+                <a:shade val="20000"/>
+                <a:satMod val="255000"/>
+              </a:schemeClr>
+            </a:gs>
+          </a:gsLst>
+          <a:path path="circle">
+            <a:fillToRect l="50000" t="-80000" r="50000" b="180000"/>
+          </a:path>
+        </a:gradFill>
+        <a:gradFill rotWithShape="1">
+          <a:gsLst>
+            <a:gs pos="0">
+              <a:schemeClr val="phClr">
+                <a:tint val="80000"/>
+                <a:satMod val="300000"/>
+              </a:schemeClr>
+            </a:gs>
+            <a:gs pos="100000">
+              <a:schemeClr val="phClr">
+                <a:shade val="30000"/>
+                <a:satMod val="200000"/>
+              </a:schemeClr>
+            </a:gs>
+          </a:gsLst>
+          <a:path path="circle">
+            <a:fillToRect l="50000" t="50000" r="50000" b="50000"/>
+          </a:path>
+        </a:gradFill>
+      </a:bgFillStyleLst>
+    </a:fmtScheme>
+  </a:themeElements>
+</a:theme>
+</file>
+
+<file path=ppt/theme/theme2.xml><?xml version="1.0" encoding="utf-8"?>
 <a:theme xmlns:a="http://schemas.openxmlformats.org/drawingml/2006/main" xmlns:r="http://schemas.openxmlformats.org/officeDocument/2006/relationships">
   <a:themeElements>
     <a:clrScheme name="Default">
@@ -14581,283 +15306,4 @@
     </a:fmtScheme>
   </a:themeElements>
 </a:theme>
-</file>
-
-<file path=ppt/theme/theme2.xml><?xml version="1.0" encoding="utf-8"?>
-<a:theme xmlns:a="http://schemas.openxmlformats.org/drawingml/2006/main" xmlns:r="http://schemas.openxmlformats.org/officeDocument/2006/relationships" name="Basis">
-  <a:themeElements>
-    <a:clrScheme name="Basis">
-      <a:dk1>
-        <a:srgbClr val="000000"/>
-      </a:dk1>
-      <a:lt1>
-        <a:srgbClr val="FFFFFF"/>
-      </a:lt1>
-      <a:dk2>
-        <a:srgbClr val="565349"/>
-      </a:dk2>
-      <a:lt2>
-        <a:srgbClr val="DDDDDD"/>
-      </a:lt2>
-      <a:accent1>
-        <a:srgbClr val="A6B727"/>
-      </a:accent1>
-      <a:accent2>
-        <a:srgbClr val="DF5327"/>
-      </a:accent2>
-      <a:accent3>
-        <a:srgbClr val="FE9E00"/>
-      </a:accent3>
-      <a:accent4>
-        <a:srgbClr val="418AB3"/>
-      </a:accent4>
-      <a:accent5>
-        <a:srgbClr val="D7D447"/>
-      </a:accent5>
-      <a:accent6>
-        <a:srgbClr val="818183"/>
-      </a:accent6>
-      <a:hlink>
-        <a:srgbClr val="F59E00"/>
-      </a:hlink>
-      <a:folHlink>
-        <a:srgbClr val="B2B2B2"/>
-      </a:folHlink>
-    </a:clrScheme>
-    <a:fontScheme name="Office">
-      <a:majorFont>
-        <a:latin typeface="Arial"/>
-        <a:ea typeface=""/>
-        <a:cs typeface=""/>
-        <a:font script="Jpan" typeface="ＭＳ Ｐゴシック"/>
-        <a:font script="Hang" typeface="맑은 고딕"/>
-        <a:font script="Hans" typeface="宋体"/>
-        <a:font script="Hant" typeface="新細明體"/>
-        <a:font script="Arab" typeface="Times New Roman"/>
-        <a:font script="Hebr" typeface="Times New Roman"/>
-        <a:font script="Thai" typeface="Angsana New"/>
-        <a:font script="Ethi" typeface="Nyala"/>
-        <a:font script="Beng" typeface="Vrinda"/>
-        <a:font script="Gujr" typeface="Shruti"/>
-        <a:font script="Khmr" typeface="MoolBoran"/>
-        <a:font script="Knda" typeface="Tunga"/>
-        <a:font script="Guru" typeface="Raavi"/>
-        <a:font script="Cans" typeface="Euphemia"/>
-        <a:font script="Cher" typeface="Plantagenet Cherokee"/>
-        <a:font script="Yiii" typeface="Microsoft Yi Baiti"/>
-        <a:font script="Tibt" typeface="Microsoft Himalaya"/>
-        <a:font script="Thaa" typeface="MV Boli"/>
-        <a:font script="Deva" typeface="Mangal"/>
-        <a:font script="Telu" typeface="Gautami"/>
-        <a:font script="Taml" typeface="Latha"/>
-        <a:font script="Syrc" typeface="Estrangelo Edessa"/>
-        <a:font script="Orya" typeface="Kalinga"/>
-        <a:font script="Mlym" typeface="Kartika"/>
-        <a:font script="Laoo" typeface="DokChampa"/>
-        <a:font script="Sinh" typeface="Iskoola Pota"/>
-        <a:font script="Mong" typeface="Mongolian Baiti"/>
-        <a:font script="Viet" typeface="Times New Roman"/>
-        <a:font script="Uigh" typeface="Microsoft Uighur"/>
-        <a:font script="Geor" typeface="Sylfaen"/>
-      </a:majorFont>
-      <a:minorFont>
-        <a:latin typeface="Arial"/>
-        <a:ea typeface=""/>
-        <a:cs typeface=""/>
-        <a:font script="Jpan" typeface="ＭＳ Ｐゴシック"/>
-        <a:font script="Hang" typeface="맑은 고딕"/>
-        <a:font script="Hans" typeface="宋体"/>
-        <a:font script="Hant" typeface="新細明體"/>
-        <a:font script="Arab" typeface="Arial"/>
-        <a:font script="Hebr" typeface="Arial"/>
-        <a:font script="Thai" typeface="Cordia New"/>
-        <a:font script="Ethi" typeface="Nyala"/>
-        <a:font script="Beng" typeface="Vrinda"/>
-        <a:font script="Gujr" typeface="Shruti"/>
-        <a:font script="Khmr" typeface="DaunPenh"/>
-        <a:font script="Knda" typeface="Tunga"/>
-        <a:font script="Guru" typeface="Raavi"/>
-        <a:font script="Cans" typeface="Euphemia"/>
-        <a:font script="Cher" typeface="Plantagenet Cherokee"/>
-        <a:font script="Yiii" typeface="Microsoft Yi Baiti"/>
-        <a:font script="Tibt" typeface="Microsoft Himalaya"/>
-        <a:font script="Thaa" typeface="MV Boli"/>
-        <a:font script="Deva" typeface="Mangal"/>
-        <a:font script="Telu" typeface="Gautami"/>
-        <a:font script="Taml" typeface="Latha"/>
-        <a:font script="Syrc" typeface="Estrangelo Edessa"/>
-        <a:font script="Orya" typeface="Kalinga"/>
-        <a:font script="Mlym" typeface="Kartika"/>
-        <a:font script="Laoo" typeface="DokChampa"/>
-        <a:font script="Sinh" typeface="Iskoola Pota"/>
-        <a:font script="Mong" typeface="Mongolian Baiti"/>
-        <a:font script="Viet" typeface="Arial"/>
-        <a:font script="Uigh" typeface="Microsoft Uighur"/>
-        <a:font script="Geor" typeface="Sylfaen"/>
-      </a:minorFont>
-    </a:fontScheme>
-    <a:fmtScheme name="Office">
-      <a:fillStyleLst>
-        <a:solidFill>
-          <a:schemeClr val="phClr"/>
-        </a:solidFill>
-        <a:gradFill rotWithShape="1">
-          <a:gsLst>
-            <a:gs pos="0">
-              <a:schemeClr val="phClr">
-                <a:tint val="50000"/>
-                <a:satMod val="300000"/>
-              </a:schemeClr>
-            </a:gs>
-            <a:gs pos="35000">
-              <a:schemeClr val="phClr">
-                <a:tint val="37000"/>
-                <a:satMod val="300000"/>
-              </a:schemeClr>
-            </a:gs>
-            <a:gs pos="100000">
-              <a:schemeClr val="phClr">
-                <a:tint val="15000"/>
-                <a:satMod val="350000"/>
-              </a:schemeClr>
-            </a:gs>
-          </a:gsLst>
-          <a:lin ang="16200000" scaled="1"/>
-        </a:gradFill>
-        <a:gradFill rotWithShape="1">
-          <a:gsLst>
-            <a:gs pos="0">
-              <a:schemeClr val="phClr">
-                <a:tint val="100000"/>
-                <a:shade val="100000"/>
-                <a:satMod val="130000"/>
-              </a:schemeClr>
-            </a:gs>
-            <a:gs pos="100000">
-              <a:schemeClr val="phClr">
-                <a:tint val="50000"/>
-                <a:shade val="100000"/>
-                <a:satMod val="350000"/>
-              </a:schemeClr>
-            </a:gs>
-          </a:gsLst>
-          <a:lin ang="16200000" scaled="0"/>
-        </a:gradFill>
-      </a:fillStyleLst>
-      <a:lnStyleLst>
-        <a:ln w="9525" cap="flat" cmpd="sng" algn="ctr">
-          <a:solidFill>
-            <a:schemeClr val="phClr">
-              <a:shade val="95000"/>
-              <a:satMod val="105000"/>
-            </a:schemeClr>
-          </a:solidFill>
-          <a:prstDash val="solid"/>
-        </a:ln>
-        <a:ln w="25400" cap="flat" cmpd="sng" algn="ctr">
-          <a:solidFill>
-            <a:schemeClr val="phClr"/>
-          </a:solidFill>
-          <a:prstDash val="solid"/>
-        </a:ln>
-        <a:ln w="38100" cap="flat" cmpd="sng" algn="ctr">
-          <a:solidFill>
-            <a:schemeClr val="phClr"/>
-          </a:solidFill>
-          <a:prstDash val="solid"/>
-        </a:ln>
-      </a:lnStyleLst>
-      <a:effectStyleLst>
-        <a:effectStyle>
-          <a:effectLst>
-            <a:outerShdw blurRad="40000" dist="20000" dir="5400000" rotWithShape="0">
-              <a:srgbClr val="000000">
-                <a:alpha val="38000"/>
-              </a:srgbClr>
-            </a:outerShdw>
-          </a:effectLst>
-        </a:effectStyle>
-        <a:effectStyle>
-          <a:effectLst>
-            <a:outerShdw blurRad="40000" dist="23000" dir="5400000" rotWithShape="0">
-              <a:srgbClr val="000000">
-                <a:alpha val="35000"/>
-              </a:srgbClr>
-            </a:outerShdw>
-          </a:effectLst>
-        </a:effectStyle>
-        <a:effectStyle>
-          <a:effectLst>
-            <a:outerShdw blurRad="40000" dist="23000" dir="5400000" rotWithShape="0">
-              <a:srgbClr val="000000">
-                <a:alpha val="35000"/>
-              </a:srgbClr>
-            </a:outerShdw>
-          </a:effectLst>
-          <a:scene3d>
-            <a:camera prst="orthographicFront">
-              <a:rot lat="0" lon="0" rev="0"/>
-            </a:camera>
-            <a:lightRig rig="threePt" dir="t">
-              <a:rot lat="0" lon="0" rev="1200000"/>
-            </a:lightRig>
-          </a:scene3d>
-          <a:sp3d>
-            <a:bevelT w="63500" h="25400"/>
-          </a:sp3d>
-        </a:effectStyle>
-      </a:effectStyleLst>
-      <a:bgFillStyleLst>
-        <a:solidFill>
-          <a:schemeClr val="phClr"/>
-        </a:solidFill>
-        <a:gradFill rotWithShape="1">
-          <a:gsLst>
-            <a:gs pos="0">
-              <a:schemeClr val="phClr">
-                <a:tint val="40000"/>
-                <a:satMod val="350000"/>
-              </a:schemeClr>
-            </a:gs>
-            <a:gs pos="40000">
-              <a:schemeClr val="phClr">
-                <a:tint val="45000"/>
-                <a:shade val="99000"/>
-                <a:satMod val="350000"/>
-              </a:schemeClr>
-            </a:gs>
-            <a:gs pos="100000">
-              <a:schemeClr val="phClr">
-                <a:shade val="20000"/>
-                <a:satMod val="255000"/>
-              </a:schemeClr>
-            </a:gs>
-          </a:gsLst>
-          <a:path path="circle">
-            <a:fillToRect l="50000" t="-80000" r="50000" b="180000"/>
-          </a:path>
-        </a:gradFill>
-        <a:gradFill rotWithShape="1">
-          <a:gsLst>
-            <a:gs pos="0">
-              <a:schemeClr val="phClr">
-                <a:tint val="80000"/>
-                <a:satMod val="300000"/>
-              </a:schemeClr>
-            </a:gs>
-            <a:gs pos="100000">
-              <a:schemeClr val="phClr">
-                <a:shade val="30000"/>
-                <a:satMod val="200000"/>
-              </a:schemeClr>
-            </a:gs>
-          </a:gsLst>
-          <a:path path="circle">
-            <a:fillToRect l="50000" t="50000" r="50000" b="50000"/>
-          </a:path>
-        </a:gradFill>
-      </a:bgFillStyleLst>
-    </a:fmtScheme>
-  </a:themeElements>
-</a:theme>
 </file>
--- a/Submission3/Slide.pptx
+++ b/Submission3/Slide.pptx
@@ -11715,7 +11715,15 @@
             </a:pPr>
             <a:r>
               <a:rPr lang="en-US"/>
-              <a:t>WATERMELON LEAF DETECTION USING TRANSFER LEARNING AND EX-AI </a:t>
+              <a:t>WATERMELON LEAF </a:t>
+            </a:r>
+            <a:r>
+              <a:rPr lang="en-US"/>
+              <a:t>DISEASES</a:t>
+            </a:r>
+            <a:r>
+              <a:rPr lang="en-US"/>
+              <a:t> DETECTION USING TRANSFER LEARNING AND EX-AI </a:t>
             </a:r>
             <a:endParaRPr/>
           </a:p>
@@ -11736,7 +11744,7 @@
             <a:tbl>
               <a:tblPr bandRow="1" firstRow="1">
                 <a:noFill/>
-                <a:tableStyleId>{9D368013-C51F-4B16-8F11-2EDCF5C4DEE0}</a:tableStyleId>
+                <a:tableStyleId>{7217EFAA-B5D9-49CA-8128-0253B9413CD8}</a:tableStyleId>
               </a:tblPr>
               <a:tblGrid>
                 <a:gridCol w="2890475"/>
@@ -14751,6 +14759,285 @@
 </file>
 
 <file path=ppt/theme/theme1.xml><?xml version="1.0" encoding="utf-8"?>
+<a:theme xmlns:a="http://schemas.openxmlformats.org/drawingml/2006/main" xmlns:r="http://schemas.openxmlformats.org/officeDocument/2006/relationships">
+  <a:themeElements>
+    <a:clrScheme name="Default">
+      <a:dk1>
+        <a:srgbClr val="000000"/>
+      </a:dk1>
+      <a:lt1>
+        <a:srgbClr val="FFFFFF"/>
+      </a:lt1>
+      <a:dk2>
+        <a:srgbClr val="158158"/>
+      </a:dk2>
+      <a:lt2>
+        <a:srgbClr val="F3F3F3"/>
+      </a:lt2>
+      <a:accent1>
+        <a:srgbClr val="058DC7"/>
+      </a:accent1>
+      <a:accent2>
+        <a:srgbClr val="50B432"/>
+      </a:accent2>
+      <a:accent3>
+        <a:srgbClr val="ED561B"/>
+      </a:accent3>
+      <a:accent4>
+        <a:srgbClr val="EDEF00"/>
+      </a:accent4>
+      <a:accent5>
+        <a:srgbClr val="24CBE5"/>
+      </a:accent5>
+      <a:accent6>
+        <a:srgbClr val="64E572"/>
+      </a:accent6>
+      <a:hlink>
+        <a:srgbClr val="2200CC"/>
+      </a:hlink>
+      <a:folHlink>
+        <a:srgbClr val="551A8B"/>
+      </a:folHlink>
+    </a:clrScheme>
+    <a:fontScheme name="Office">
+      <a:majorFont>
+        <a:latin typeface="Arial"/>
+        <a:ea typeface=""/>
+        <a:cs typeface=""/>
+        <a:font script="Jpan" typeface="ＭＳ Ｐゴシック"/>
+        <a:font script="Hang" typeface="맑은 고딕"/>
+        <a:font script="Hans" typeface="宋体"/>
+        <a:font script="Hant" typeface="新細明體"/>
+        <a:font script="Arab" typeface="Times New Roman"/>
+        <a:font script="Hebr" typeface="Times New Roman"/>
+        <a:font script="Thai" typeface="Angsana New"/>
+        <a:font script="Ethi" typeface="Nyala"/>
+        <a:font script="Beng" typeface="Vrinda"/>
+        <a:font script="Gujr" typeface="Shruti"/>
+        <a:font script="Khmr" typeface="MoolBoran"/>
+        <a:font script="Knda" typeface="Tunga"/>
+        <a:font script="Guru" typeface="Raavi"/>
+        <a:font script="Cans" typeface="Euphemia"/>
+        <a:font script="Cher" typeface="Plantagenet Cherokee"/>
+        <a:font script="Yiii" typeface="Microsoft Yi Baiti"/>
+        <a:font script="Tibt" typeface="Microsoft Himalaya"/>
+        <a:font script="Thaa" typeface="MV Boli"/>
+        <a:font script="Deva" typeface="Mangal"/>
+        <a:font script="Telu" typeface="Gautami"/>
+        <a:font script="Taml" typeface="Latha"/>
+        <a:font script="Syrc" typeface="Estrangelo Edessa"/>
+        <a:font script="Orya" typeface="Kalinga"/>
+        <a:font script="Mlym" typeface="Kartika"/>
+        <a:font script="Laoo" typeface="DokChampa"/>
+        <a:font script="Sinh" typeface="Iskoola Pota"/>
+        <a:font script="Mong" typeface="Mongolian Baiti"/>
+        <a:font script="Viet" typeface="Times New Roman"/>
+        <a:font script="Uigh" typeface="Microsoft Uighur"/>
+        <a:font script="Geor" typeface="Sylfaen"/>
+      </a:majorFont>
+      <a:minorFont>
+        <a:latin typeface="Arial"/>
+        <a:ea typeface=""/>
+        <a:cs typeface=""/>
+        <a:font script="Jpan" typeface="ＭＳ Ｐゴシック"/>
+        <a:font script="Hang" typeface="맑은 고딕"/>
+        <a:font script="Hans" typeface="宋体"/>
+        <a:font script="Hant" typeface="新細明體"/>
+        <a:font script="Arab" typeface="Arial"/>
+        <a:font script="Hebr" typeface="Arial"/>
+        <a:font script="Thai" typeface="Cordia New"/>
+        <a:font script="Ethi" typeface="Nyala"/>
+        <a:font script="Beng" typeface="Vrinda"/>
+        <a:font script="Gujr" typeface="Shruti"/>
+        <a:font script="Khmr" typeface="DaunPenh"/>
+        <a:font script="Knda" typeface="Tunga"/>
+        <a:font script="Guru" typeface="Raavi"/>
+        <a:font script="Cans" typeface="Euphemia"/>
+        <a:font script="Cher" typeface="Plantagenet Cherokee"/>
+        <a:font script="Yiii" typeface="Microsoft Yi Baiti"/>
+        <a:font script="Tibt" typeface="Microsoft Himalaya"/>
+        <a:font script="Thaa" typeface="MV Boli"/>
+        <a:font script="Deva" typeface="Mangal"/>
+        <a:font script="Telu" typeface="Gautami"/>
+        <a:font script="Taml" typeface="Latha"/>
+        <a:font script="Syrc" typeface="Estrangelo Edessa"/>
+        <a:font script="Orya" typeface="Kalinga"/>
+        <a:font script="Mlym" typeface="Kartika"/>
+        <a:font script="Laoo" typeface="DokChampa"/>
+        <a:font script="Sinh" typeface="Iskoola Pota"/>
+        <a:font script="Mong" typeface="Mongolian Baiti"/>
+        <a:font script="Viet" typeface="Arial"/>
+        <a:font script="Uigh" typeface="Microsoft Uighur"/>
+        <a:font script="Geor" typeface="Sylfaen"/>
+      </a:minorFont>
+    </a:fontScheme>
+    <a:fmtScheme name="Office">
+      <a:fillStyleLst>
+        <a:solidFill>
+          <a:schemeClr val="phClr"/>
+        </a:solidFill>
+        <a:gradFill rotWithShape="1">
+          <a:gsLst>
+            <a:gs pos="0">
+              <a:schemeClr val="phClr">
+                <a:tint val="50000"/>
+                <a:satMod val="300000"/>
+              </a:schemeClr>
+            </a:gs>
+            <a:gs pos="35000">
+              <a:schemeClr val="phClr">
+                <a:tint val="37000"/>
+                <a:satMod val="300000"/>
+              </a:schemeClr>
+            </a:gs>
+            <a:gs pos="100000">
+              <a:schemeClr val="phClr">
+                <a:tint val="15000"/>
+                <a:satMod val="350000"/>
+              </a:schemeClr>
+            </a:gs>
+          </a:gsLst>
+          <a:lin ang="16200000" scaled="1"/>
+        </a:gradFill>
+        <a:gradFill rotWithShape="1">
+          <a:gsLst>
+            <a:gs pos="0">
+              <a:schemeClr val="phClr">
+                <a:tint val="100000"/>
+                <a:shade val="100000"/>
+                <a:satMod val="130000"/>
+              </a:schemeClr>
+            </a:gs>
+            <a:gs pos="100000">
+              <a:schemeClr val="phClr">
+                <a:tint val="50000"/>
+                <a:shade val="100000"/>
+                <a:satMod val="350000"/>
+              </a:schemeClr>
+            </a:gs>
+          </a:gsLst>
+          <a:lin ang="16200000" scaled="0"/>
+        </a:gradFill>
+      </a:fillStyleLst>
+      <a:lnStyleLst>
+        <a:ln w="9525" cap="flat" cmpd="sng" algn="ctr">
+          <a:solidFill>
+            <a:schemeClr val="phClr">
+              <a:shade val="95000"/>
+              <a:satMod val="105000"/>
+            </a:schemeClr>
+          </a:solidFill>
+          <a:prstDash val="solid"/>
+        </a:ln>
+        <a:ln w="25400" cap="flat" cmpd="sng" algn="ctr">
+          <a:solidFill>
+            <a:schemeClr val="phClr"/>
+          </a:solidFill>
+          <a:prstDash val="solid"/>
+        </a:ln>
+        <a:ln w="38100" cap="flat" cmpd="sng" algn="ctr">
+          <a:solidFill>
+            <a:schemeClr val="phClr"/>
+          </a:solidFill>
+          <a:prstDash val="solid"/>
+        </a:ln>
+      </a:lnStyleLst>
+      <a:effectStyleLst>
+        <a:effectStyle>
+          <a:effectLst>
+            <a:outerShdw blurRad="40000" dist="20000" dir="5400000" rotWithShape="0">
+              <a:srgbClr val="000000">
+                <a:alpha val="38000"/>
+              </a:srgbClr>
+            </a:outerShdw>
+          </a:effectLst>
+        </a:effectStyle>
+        <a:effectStyle>
+          <a:effectLst>
+            <a:outerShdw blurRad="40000" dist="23000" dir="5400000" rotWithShape="0">
+              <a:srgbClr val="000000">
+                <a:alpha val="35000"/>
+              </a:srgbClr>
+            </a:outerShdw>
+          </a:effectLst>
+        </a:effectStyle>
+        <a:effectStyle>
+          <a:effectLst>
+            <a:outerShdw blurRad="40000" dist="23000" dir="5400000" rotWithShape="0">
+              <a:srgbClr val="000000">
+                <a:alpha val="35000"/>
+              </a:srgbClr>
+            </a:outerShdw>
+          </a:effectLst>
+          <a:scene3d>
+            <a:camera prst="orthographicFront">
+              <a:rot lat="0" lon="0" rev="0"/>
+            </a:camera>
+            <a:lightRig rig="threePt" dir="t">
+              <a:rot lat="0" lon="0" rev="1200000"/>
+            </a:lightRig>
+          </a:scene3d>
+          <a:sp3d>
+            <a:bevelT w="63500" h="25400"/>
+          </a:sp3d>
+        </a:effectStyle>
+      </a:effectStyleLst>
+      <a:bgFillStyleLst>
+        <a:solidFill>
+          <a:schemeClr val="phClr"/>
+        </a:solidFill>
+        <a:gradFill rotWithShape="1">
+          <a:gsLst>
+            <a:gs pos="0">
+              <a:schemeClr val="phClr">
+                <a:tint val="40000"/>
+                <a:satMod val="350000"/>
+              </a:schemeClr>
+            </a:gs>
+            <a:gs pos="40000">
+              <a:schemeClr val="phClr">
+                <a:tint val="45000"/>
+                <a:shade val="99000"/>
+                <a:satMod val="350000"/>
+              </a:schemeClr>
+            </a:gs>
+            <a:gs pos="100000">
+              <a:schemeClr val="phClr">
+                <a:shade val="20000"/>
+                <a:satMod val="255000"/>
+              </a:schemeClr>
+            </a:gs>
+          </a:gsLst>
+          <a:path path="circle">
+            <a:fillToRect l="50000" t="-80000" r="50000" b="180000"/>
+          </a:path>
+        </a:gradFill>
+        <a:gradFill rotWithShape="1">
+          <a:gsLst>
+            <a:gs pos="0">
+              <a:schemeClr val="phClr">
+                <a:tint val="80000"/>
+                <a:satMod val="300000"/>
+              </a:schemeClr>
+            </a:gs>
+            <a:gs pos="100000">
+              <a:schemeClr val="phClr">
+                <a:shade val="30000"/>
+                <a:satMod val="200000"/>
+              </a:schemeClr>
+            </a:gs>
+          </a:gsLst>
+          <a:path path="circle">
+            <a:fillToRect l="50000" t="50000" r="50000" b="50000"/>
+          </a:path>
+        </a:gradFill>
+      </a:bgFillStyleLst>
+    </a:fmtScheme>
+  </a:themeElements>
+</a:theme>
+</file>
+
+<file path=ppt/theme/theme2.xml><?xml version="1.0" encoding="utf-8"?>
 <a:theme xmlns:a="http://schemas.openxmlformats.org/drawingml/2006/main" xmlns:r="http://schemas.openxmlformats.org/officeDocument/2006/relationships" name="Basis">
   <a:themeElements>
     <a:clrScheme name="Basis">
@@ -15027,283 +15314,4 @@
     </a:fmtScheme>
   </a:themeElements>
 </a:theme>
-</file>
-
-<file path=ppt/theme/theme2.xml><?xml version="1.0" encoding="utf-8"?>
-<a:theme xmlns:a="http://schemas.openxmlformats.org/drawingml/2006/main" xmlns:r="http://schemas.openxmlformats.org/officeDocument/2006/relationships">
-  <a:themeElements>
-    <a:clrScheme name="Default">
-      <a:dk1>
-        <a:srgbClr val="000000"/>
-      </a:dk1>
-      <a:lt1>
-        <a:srgbClr val="FFFFFF"/>
-      </a:lt1>
-      <a:dk2>
-        <a:srgbClr val="158158"/>
-      </a:dk2>
-      <a:lt2>
-        <a:srgbClr val="F3F3F3"/>
-      </a:lt2>
-      <a:accent1>
-        <a:srgbClr val="058DC7"/>
-      </a:accent1>
-      <a:accent2>
-        <a:srgbClr val="50B432"/>
-      </a:accent2>
-      <a:accent3>
-        <a:srgbClr val="ED561B"/>
-      </a:accent3>
-      <a:accent4>
-        <a:srgbClr val="EDEF00"/>
-      </a:accent4>
-      <a:accent5>
-        <a:srgbClr val="24CBE5"/>
-      </a:accent5>
-      <a:accent6>
-        <a:srgbClr val="64E572"/>
-      </a:accent6>
-      <a:hlink>
-        <a:srgbClr val="2200CC"/>
-      </a:hlink>
-      <a:folHlink>
-        <a:srgbClr val="551A8B"/>
-      </a:folHlink>
-    </a:clrScheme>
-    <a:fontScheme name="Office">
-      <a:majorFont>
-        <a:latin typeface="Arial"/>
-        <a:ea typeface=""/>
-        <a:cs typeface=""/>
-        <a:font script="Jpan" typeface="ＭＳ Ｐゴシック"/>
-        <a:font script="Hang" typeface="맑은 고딕"/>
-        <a:font script="Hans" typeface="宋体"/>
-        <a:font script="Hant" typeface="新細明體"/>
-        <a:font script="Arab" typeface="Times New Roman"/>
-        <a:font script="Hebr" typeface="Times New Roman"/>
-        <a:font script="Thai" typeface="Angsana New"/>
-        <a:font script="Ethi" typeface="Nyala"/>
-        <a:font script="Beng" typeface="Vrinda"/>
-        <a:font script="Gujr" typeface="Shruti"/>
-        <a:font script="Khmr" typeface="MoolBoran"/>
-        <a:font script="Knda" typeface="Tunga"/>
-        <a:font script="Guru" typeface="Raavi"/>
-        <a:font script="Cans" typeface="Euphemia"/>
-        <a:font script="Cher" typeface="Plantagenet Cherokee"/>
-        <a:font script="Yiii" typeface="Microsoft Yi Baiti"/>
-        <a:font script="Tibt" typeface="Microsoft Himalaya"/>
-        <a:font script="Thaa" typeface="MV Boli"/>
-        <a:font script="Deva" typeface="Mangal"/>
-        <a:font script="Telu" typeface="Gautami"/>
-        <a:font script="Taml" typeface="Latha"/>
-        <a:font script="Syrc" typeface="Estrangelo Edessa"/>
-        <a:font script="Orya" typeface="Kalinga"/>
-        <a:font script="Mlym" typeface="Kartika"/>
-        <a:font script="Laoo" typeface="DokChampa"/>
-        <a:font script="Sinh" typeface="Iskoola Pota"/>
-        <a:font script="Mong" typeface="Mongolian Baiti"/>
-        <a:font script="Viet" typeface="Times New Roman"/>
-        <a:font script="Uigh" typeface="Microsoft Uighur"/>
-        <a:font script="Geor" typeface="Sylfaen"/>
-      </a:majorFont>
-      <a:minorFont>
-        <a:latin typeface="Arial"/>
-        <a:ea typeface=""/>
-        <a:cs typeface=""/>
-        <a:font script="Jpan" typeface="ＭＳ Ｐゴシック"/>
-        <a:font script="Hang" typeface="맑은 고딕"/>
-        <a:font script="Hans" typeface="宋体"/>
-        <a:font script="Hant" typeface="新細明體"/>
-        <a:font script="Arab" typeface="Arial"/>
-        <a:font script="Hebr" typeface="Arial"/>
-        <a:font script="Thai" typeface="Cordia New"/>
-        <a:font script="Ethi" typeface="Nyala"/>
-        <a:font script="Beng" typeface="Vrinda"/>
-        <a:font script="Gujr" typeface="Shruti"/>
-        <a:font script="Khmr" typeface="DaunPenh"/>
-        <a:font script="Knda" typeface="Tunga"/>
-        <a:font script="Guru" typeface="Raavi"/>
-        <a:font script="Cans" typeface="Euphemia"/>
-        <a:font script="Cher" typeface="Plantagenet Cherokee"/>
-        <a:font script="Yiii" typeface="Microsoft Yi Baiti"/>
-        <a:font script="Tibt" typeface="Microsoft Himalaya"/>
-        <a:font script="Thaa" typeface="MV Boli"/>
-        <a:font script="Deva" typeface="Mangal"/>
-        <a:font script="Telu" typeface="Gautami"/>
-        <a:font script="Taml" typeface="Latha"/>
-        <a:font script="Syrc" typeface="Estrangelo Edessa"/>
-        <a:font script="Orya" typeface="Kalinga"/>
-        <a:font script="Mlym" typeface="Kartika"/>
-        <a:font script="Laoo" typeface="DokChampa"/>
-        <a:font script="Sinh" typeface="Iskoola Pota"/>
-        <a:font script="Mong" typeface="Mongolian Baiti"/>
-        <a:font script="Viet" typeface="Arial"/>
-        <a:font script="Uigh" typeface="Microsoft Uighur"/>
-        <a:font script="Geor" typeface="Sylfaen"/>
-      </a:minorFont>
-    </a:fontScheme>
-    <a:fmtScheme name="Office">
-      <a:fillStyleLst>
-        <a:solidFill>
-          <a:schemeClr val="phClr"/>
-        </a:solidFill>
-        <a:gradFill rotWithShape="1">
-          <a:gsLst>
-            <a:gs pos="0">
-              <a:schemeClr val="phClr">
-                <a:tint val="50000"/>
-                <a:satMod val="300000"/>
-              </a:schemeClr>
-            </a:gs>
-            <a:gs pos="35000">
-              <a:schemeClr val="phClr">
-                <a:tint val="37000"/>
-                <a:satMod val="300000"/>
-              </a:schemeClr>
-            </a:gs>
-            <a:gs pos="100000">
-              <a:schemeClr val="phClr">
-                <a:tint val="15000"/>
-                <a:satMod val="350000"/>
-              </a:schemeClr>
-            </a:gs>
-          </a:gsLst>
-          <a:lin ang="16200000" scaled="1"/>
-        </a:gradFill>
-        <a:gradFill rotWithShape="1">
-          <a:gsLst>
-            <a:gs pos="0">
-              <a:schemeClr val="phClr">
-                <a:tint val="100000"/>
-                <a:shade val="100000"/>
-                <a:satMod val="130000"/>
-              </a:schemeClr>
-            </a:gs>
-            <a:gs pos="100000">
-              <a:schemeClr val="phClr">
-                <a:tint val="50000"/>
-                <a:shade val="100000"/>
-                <a:satMod val="350000"/>
-              </a:schemeClr>
-            </a:gs>
-          </a:gsLst>
-          <a:lin ang="16200000" scaled="0"/>
-        </a:gradFill>
-      </a:fillStyleLst>
-      <a:lnStyleLst>
-        <a:ln w="9525" cap="flat" cmpd="sng" algn="ctr">
-          <a:solidFill>
-            <a:schemeClr val="phClr">
-              <a:shade val="95000"/>
-              <a:satMod val="105000"/>
-            </a:schemeClr>
-          </a:solidFill>
-          <a:prstDash val="solid"/>
-        </a:ln>
-        <a:ln w="25400" cap="flat" cmpd="sng" algn="ctr">
-          <a:solidFill>
-            <a:schemeClr val="phClr"/>
-          </a:solidFill>
-          <a:prstDash val="solid"/>
-        </a:ln>
-        <a:ln w="38100" cap="flat" cmpd="sng" algn="ctr">
-          <a:solidFill>
-            <a:schemeClr val="phClr"/>
-          </a:solidFill>
-          <a:prstDash val="solid"/>
-        </a:ln>
-      </a:lnStyleLst>
-      <a:effectStyleLst>
-        <a:effectStyle>
-          <a:effectLst>
-            <a:outerShdw blurRad="40000" dist="20000" dir="5400000" rotWithShape="0">
-              <a:srgbClr val="000000">
-                <a:alpha val="38000"/>
-              </a:srgbClr>
-            </a:outerShdw>
-          </a:effectLst>
-        </a:effectStyle>
-        <a:effectStyle>
-          <a:effectLst>
-            <a:outerShdw blurRad="40000" dist="23000" dir="5400000" rotWithShape="0">
-              <a:srgbClr val="000000">
-                <a:alpha val="35000"/>
-              </a:srgbClr>
-            </a:outerShdw>
-          </a:effectLst>
-        </a:effectStyle>
-        <a:effectStyle>
-          <a:effectLst>
-            <a:outerShdw blurRad="40000" dist="23000" dir="5400000" rotWithShape="0">
-              <a:srgbClr val="000000">
-                <a:alpha val="35000"/>
-              </a:srgbClr>
-            </a:outerShdw>
-          </a:effectLst>
-          <a:scene3d>
-            <a:camera prst="orthographicFront">
-              <a:rot lat="0" lon="0" rev="0"/>
-            </a:camera>
-            <a:lightRig rig="threePt" dir="t">
-              <a:rot lat="0" lon="0" rev="1200000"/>
-            </a:lightRig>
-          </a:scene3d>
-          <a:sp3d>
-            <a:bevelT w="63500" h="25400"/>
-          </a:sp3d>
-        </a:effectStyle>
-      </a:effectStyleLst>
-      <a:bgFillStyleLst>
-        <a:solidFill>
-          <a:schemeClr val="phClr"/>
-        </a:solidFill>
-        <a:gradFill rotWithShape="1">
-          <a:gsLst>
-            <a:gs pos="0">
-              <a:schemeClr val="phClr">
-                <a:tint val="40000"/>
-                <a:satMod val="350000"/>
-              </a:schemeClr>
-            </a:gs>
-            <a:gs pos="40000">
-              <a:schemeClr val="phClr">
-                <a:tint val="45000"/>
-                <a:shade val="99000"/>
-                <a:satMod val="350000"/>
-              </a:schemeClr>
-            </a:gs>
-            <a:gs pos="100000">
-              <a:schemeClr val="phClr">
-                <a:shade val="20000"/>
-                <a:satMod val="255000"/>
-              </a:schemeClr>
-            </a:gs>
-          </a:gsLst>
-          <a:path path="circle">
-            <a:fillToRect l="50000" t="-80000" r="50000" b="180000"/>
-          </a:path>
-        </a:gradFill>
-        <a:gradFill rotWithShape="1">
-          <a:gsLst>
-            <a:gs pos="0">
-              <a:schemeClr val="phClr">
-                <a:tint val="80000"/>
-                <a:satMod val="300000"/>
-              </a:schemeClr>
-            </a:gs>
-            <a:gs pos="100000">
-              <a:schemeClr val="phClr">
-                <a:shade val="30000"/>
-                <a:satMod val="200000"/>
-              </a:schemeClr>
-            </a:gs>
-          </a:gsLst>
-          <a:path path="circle">
-            <a:fillToRect l="50000" t="50000" r="50000" b="50000"/>
-          </a:path>
-        </a:gradFill>
-      </a:bgFillStyleLst>
-    </a:fmtScheme>
-  </a:themeElements>
-</a:theme>
 </file>